--- a/汇报/组会汇报.pptx
+++ b/汇报/组会汇报.pptx
@@ -5,7 +5,7 @@
     <p:sldMasterId id="2147483648" r:id="rId1"/>
   </p:sldMasterIdLst>
   <p:notesMasterIdLst>
-    <p:notesMasterId r:id="rId7"/>
+    <p:notesMasterId r:id="rId13"/>
   </p:notesMasterIdLst>
   <p:sldIdLst>
     <p:sldId id="256" r:id="rId2"/>
@@ -13,6 +13,12 @@
     <p:sldId id="258" r:id="rId4"/>
     <p:sldId id="259" r:id="rId5"/>
     <p:sldId id="260" r:id="rId6"/>
+    <p:sldId id="261" r:id="rId7"/>
+    <p:sldId id="262" r:id="rId8"/>
+    <p:sldId id="263" r:id="rId9"/>
+    <p:sldId id="264" r:id="rId10"/>
+    <p:sldId id="265" r:id="rId11"/>
+    <p:sldId id="266" r:id="rId12"/>
   </p:sldIdLst>
   <p:sldSz cx="12192000" cy="6858000"/>
   <p:notesSz cx="6858000" cy="9144000"/>
@@ -212,7 +218,7 @@
           <a:p>
             <a:fld id="{0A33534A-6611-4F3F-8CB4-D23E6B222FB6}" type="datetimeFigureOut">
               <a:rPr lang="zh-CN" altLang="en-US" smtClean="0"/>
-              <a:t>2024/10/15</a:t>
+              <a:t>2024/10/13</a:t>
             </a:fld>
             <a:endParaRPr lang="zh-CN" altLang="en-US"/>
           </a:p>
@@ -707,114 +713,6 @@
 </p:notes>
 </file>
 
-<file path=ppt/notesSlides/notesSlide3.xml><?xml version="1.0" encoding="utf-8"?>
-<p:notes xmlns:a="http://schemas.openxmlformats.org/drawingml/2006/main" xmlns:r="http://schemas.openxmlformats.org/officeDocument/2006/relationships" xmlns:p="http://schemas.openxmlformats.org/presentationml/2006/main">
-  <p:cSld>
-    <p:spTree>
-      <p:nvGrpSpPr>
-        <p:cNvPr id="1" name=""/>
-        <p:cNvGrpSpPr/>
-        <p:nvPr/>
-      </p:nvGrpSpPr>
-      <p:grpSpPr>
-        <a:xfrm>
-          <a:off x="0" y="0"/>
-          <a:ext cx="0" cy="0"/>
-          <a:chOff x="0" y="0"/>
-          <a:chExt cx="0" cy="0"/>
-        </a:xfrm>
-      </p:grpSpPr>
-      <p:sp>
-        <p:nvSpPr>
-          <p:cNvPr id="2" name="幻灯片图像占位符 1"/>
-          <p:cNvSpPr>
-            <a:spLocks noGrp="1" noRot="1" noChangeAspect="1"/>
-          </p:cNvSpPr>
-          <p:nvPr>
-            <p:ph type="sldImg"/>
-          </p:nvPr>
-        </p:nvSpPr>
-        <p:spPr/>
-      </p:sp>
-      <p:sp>
-        <p:nvSpPr>
-          <p:cNvPr id="3" name="备注占位符 2"/>
-          <p:cNvSpPr>
-            <a:spLocks noGrp="1"/>
-          </p:cNvSpPr>
-          <p:nvPr>
-            <p:ph type="body" idx="1"/>
-          </p:nvPr>
-        </p:nvSpPr>
-        <p:spPr/>
-        <p:txBody>
-          <a:bodyPr/>
-          <a:lstStyle/>
-          <a:p>
-            <a:r>
-              <a:rPr lang="en-US" altLang="zh-CN"/>
-              <a:t>1.</a:t>
-            </a:r>
-            <a:r>
-              <a:rPr lang="zh-CN" altLang="en-US"/>
-              <a:t>飞行间隔计算问题，提高避撞模型泛化性</a:t>
-            </a:r>
-            <a:endParaRPr lang="en-US" altLang="zh-CN"/>
-          </a:p>
-          <a:p>
-            <a:r>
-              <a:rPr lang="en-US" altLang="zh-CN"/>
-              <a:t>2.Bubbles</a:t>
-            </a:r>
-          </a:p>
-          <a:p>
-            <a:r>
-              <a:rPr lang="en-US" altLang="zh-CN"/>
-              <a:t>3.</a:t>
-            </a:r>
-            <a:r>
-              <a:rPr lang="zh-CN" altLang="en-US"/>
-              <a:t>王兴隆教授 中文文章</a:t>
-            </a:r>
-          </a:p>
-        </p:txBody>
-      </p:sp>
-      <p:sp>
-        <p:nvSpPr>
-          <p:cNvPr id="4" name="灯片编号占位符 3"/>
-          <p:cNvSpPr>
-            <a:spLocks noGrp="1"/>
-          </p:cNvSpPr>
-          <p:nvPr>
-            <p:ph type="sldNum" sz="quarter" idx="5"/>
-          </p:nvPr>
-        </p:nvSpPr>
-        <p:spPr/>
-        <p:txBody>
-          <a:bodyPr/>
-          <a:lstStyle/>
-          <a:p>
-            <a:fld id="{95E2CE21-D175-4F4C-A92B-169D700C7354}" type="slidenum">
-              <a:rPr lang="zh-CN" altLang="en-US" smtClean="0"/>
-              <a:t>3</a:t>
-            </a:fld>
-            <a:endParaRPr lang="zh-CN" altLang="en-US"/>
-          </a:p>
-        </p:txBody>
-      </p:sp>
-    </p:spTree>
-    <p:extLst>
-      <p:ext uri="{BB962C8B-B14F-4D97-AF65-F5344CB8AC3E}">
-        <p14:creationId xmlns:p14="http://schemas.microsoft.com/office/powerpoint/2010/main" val="2276443924"/>
-      </p:ext>
-    </p:extLst>
-  </p:cSld>
-  <p:clrMapOvr>
-    <a:masterClrMapping/>
-  </p:clrMapOvr>
-</p:notes>
-</file>
-
 <file path=ppt/slideLayouts/slideLayout1.xml><?xml version="1.0" encoding="utf-8"?>
 <p:sldLayout xmlns:a="http://schemas.openxmlformats.org/drawingml/2006/main" xmlns:r="http://schemas.openxmlformats.org/officeDocument/2006/relationships" xmlns:p="http://schemas.openxmlformats.org/presentationml/2006/main" type="title" preserve="1">
   <p:cSld name="标题幻灯片">
@@ -962,7 +860,7 @@
           <a:p>
             <a:fld id="{21B0B332-2FA0-4345-B2BE-33804BFCE648}" type="datetimeFigureOut">
               <a:rPr lang="zh-CN" altLang="en-US" smtClean="0"/>
-              <a:t>2024/10/15</a:t>
+              <a:t>2024/10/13</a:t>
             </a:fld>
             <a:endParaRPr lang="zh-CN" altLang="en-US"/>
           </a:p>
@@ -1160,7 +1058,7 @@
           <a:p>
             <a:fld id="{21B0B332-2FA0-4345-B2BE-33804BFCE648}" type="datetimeFigureOut">
               <a:rPr lang="zh-CN" altLang="en-US" smtClean="0"/>
-              <a:t>2024/10/15</a:t>
+              <a:t>2024/10/13</a:t>
             </a:fld>
             <a:endParaRPr lang="zh-CN" altLang="en-US"/>
           </a:p>
@@ -1368,7 +1266,7 @@
           <a:p>
             <a:fld id="{21B0B332-2FA0-4345-B2BE-33804BFCE648}" type="datetimeFigureOut">
               <a:rPr lang="zh-CN" altLang="en-US" smtClean="0"/>
-              <a:t>2024/10/15</a:t>
+              <a:t>2024/10/13</a:t>
             </a:fld>
             <a:endParaRPr lang="zh-CN" altLang="en-US"/>
           </a:p>
@@ -1566,7 +1464,7 @@
           <a:p>
             <a:fld id="{21B0B332-2FA0-4345-B2BE-33804BFCE648}" type="datetimeFigureOut">
               <a:rPr lang="zh-CN" altLang="en-US" smtClean="0"/>
-              <a:t>2024/10/15</a:t>
+              <a:t>2024/10/13</a:t>
             </a:fld>
             <a:endParaRPr lang="zh-CN" altLang="en-US"/>
           </a:p>
@@ -1841,7 +1739,7 @@
           <a:p>
             <a:fld id="{21B0B332-2FA0-4345-B2BE-33804BFCE648}" type="datetimeFigureOut">
               <a:rPr lang="zh-CN" altLang="en-US" smtClean="0"/>
-              <a:t>2024/10/15</a:t>
+              <a:t>2024/10/13</a:t>
             </a:fld>
             <a:endParaRPr lang="zh-CN" altLang="en-US"/>
           </a:p>
@@ -2106,7 +2004,7 @@
           <a:p>
             <a:fld id="{21B0B332-2FA0-4345-B2BE-33804BFCE648}" type="datetimeFigureOut">
               <a:rPr lang="zh-CN" altLang="en-US" smtClean="0"/>
-              <a:t>2024/10/15</a:t>
+              <a:t>2024/10/13</a:t>
             </a:fld>
             <a:endParaRPr lang="zh-CN" altLang="en-US"/>
           </a:p>
@@ -2518,7 +2416,7 @@
           <a:p>
             <a:fld id="{21B0B332-2FA0-4345-B2BE-33804BFCE648}" type="datetimeFigureOut">
               <a:rPr lang="zh-CN" altLang="en-US" smtClean="0"/>
-              <a:t>2024/10/15</a:t>
+              <a:t>2024/10/13</a:t>
             </a:fld>
             <a:endParaRPr lang="zh-CN" altLang="en-US"/>
           </a:p>
@@ -2659,7 +2557,7 @@
           <a:p>
             <a:fld id="{21B0B332-2FA0-4345-B2BE-33804BFCE648}" type="datetimeFigureOut">
               <a:rPr lang="zh-CN" altLang="en-US" smtClean="0"/>
-              <a:t>2024/10/15</a:t>
+              <a:t>2024/10/13</a:t>
             </a:fld>
             <a:endParaRPr lang="zh-CN" altLang="en-US"/>
           </a:p>
@@ -2772,7 +2670,7 @@
           <a:p>
             <a:fld id="{21B0B332-2FA0-4345-B2BE-33804BFCE648}" type="datetimeFigureOut">
               <a:rPr lang="zh-CN" altLang="en-US" smtClean="0"/>
-              <a:t>2024/10/15</a:t>
+              <a:t>2024/10/13</a:t>
             </a:fld>
             <a:endParaRPr lang="zh-CN" altLang="en-US"/>
           </a:p>
@@ -3083,7 +2981,7 @@
           <a:p>
             <a:fld id="{21B0B332-2FA0-4345-B2BE-33804BFCE648}" type="datetimeFigureOut">
               <a:rPr lang="zh-CN" altLang="en-US" smtClean="0"/>
-              <a:t>2024/10/15</a:t>
+              <a:t>2024/10/13</a:t>
             </a:fld>
             <a:endParaRPr lang="zh-CN" altLang="en-US"/>
           </a:p>
@@ -3371,7 +3269,7 @@
           <a:p>
             <a:fld id="{21B0B332-2FA0-4345-B2BE-33804BFCE648}" type="datetimeFigureOut">
               <a:rPr lang="zh-CN" altLang="en-US" smtClean="0"/>
-              <a:t>2024/10/15</a:t>
+              <a:t>2024/10/13</a:t>
             </a:fld>
             <a:endParaRPr lang="zh-CN" altLang="en-US"/>
           </a:p>
@@ -3612,7 +3510,7 @@
           <a:p>
             <a:fld id="{21B0B332-2FA0-4345-B2BE-33804BFCE648}" type="datetimeFigureOut">
               <a:rPr lang="zh-CN" altLang="en-US" smtClean="0"/>
-              <a:t>2024/10/15</a:t>
+              <a:t>2024/10/13</a:t>
             </a:fld>
             <a:endParaRPr lang="zh-CN" altLang="en-US"/>
           </a:p>
@@ -4678,6 +4576,320 @@
 </p:sld>
 </file>
 
+<file path=ppt/slides/slide10.xml><?xml version="1.0" encoding="utf-8"?>
+<p:sld xmlns:a="http://schemas.openxmlformats.org/drawingml/2006/main" xmlns:r="http://schemas.openxmlformats.org/officeDocument/2006/relationships" xmlns:p="http://schemas.openxmlformats.org/presentationml/2006/main">
+  <p:cSld>
+    <p:spTree>
+      <p:nvGrpSpPr>
+        <p:cNvPr id="1" name=""/>
+        <p:cNvGrpSpPr/>
+        <p:nvPr/>
+      </p:nvGrpSpPr>
+      <p:grpSpPr>
+        <a:xfrm>
+          <a:off x="0" y="0"/>
+          <a:ext cx="0" cy="0"/>
+          <a:chOff x="0" y="0"/>
+          <a:chExt cx="0" cy="0"/>
+        </a:xfrm>
+      </p:grpSpPr>
+      <p:pic>
+        <p:nvPicPr>
+          <p:cNvPr id="4" name="图片 3">
+            <a:extLst>
+              <a:ext uri="{FF2B5EF4-FFF2-40B4-BE49-F238E27FC236}">
+                <a16:creationId xmlns:a16="http://schemas.microsoft.com/office/drawing/2014/main" id="{CE5E52F8-9DBF-4D5B-B4A1-86E6F108965D}"/>
+              </a:ext>
+            </a:extLst>
+          </p:cNvPr>
+          <p:cNvPicPr>
+            <a:picLocks noChangeAspect="1"/>
+          </p:cNvPicPr>
+          <p:nvPr/>
+        </p:nvPicPr>
+        <p:blipFill>
+          <a:blip r:embed="rId2"/>
+          <a:stretch>
+            <a:fillRect/>
+          </a:stretch>
+        </p:blipFill>
+        <p:spPr>
+          <a:xfrm>
+            <a:off x="561975" y="895350"/>
+            <a:ext cx="11068050" cy="5067300"/>
+          </a:xfrm>
+          <a:prstGeom prst="rect">
+            <a:avLst/>
+          </a:prstGeom>
+        </p:spPr>
+      </p:pic>
+      <p:sp>
+        <p:nvSpPr>
+          <p:cNvPr id="5" name="矩形 4">
+            <a:extLst>
+              <a:ext uri="{FF2B5EF4-FFF2-40B4-BE49-F238E27FC236}">
+                <a16:creationId xmlns:a16="http://schemas.microsoft.com/office/drawing/2014/main" id="{3B5091B8-1A01-4A80-90B2-91ED5A62387F}"/>
+              </a:ext>
+            </a:extLst>
+          </p:cNvPr>
+          <p:cNvSpPr/>
+          <p:nvPr/>
+        </p:nvSpPr>
+        <p:spPr>
+          <a:xfrm>
+            <a:off x="308610" y="369570"/>
+            <a:ext cx="3006090" cy="525780"/>
+          </a:xfrm>
+          <a:prstGeom prst="rect">
+            <a:avLst/>
+          </a:prstGeom>
+          <a:noFill/>
+          <a:ln>
+            <a:noFill/>
+          </a:ln>
+        </p:spPr>
+        <p:style>
+          <a:lnRef idx="2">
+            <a:schemeClr val="accent1">
+              <a:shade val="50000"/>
+            </a:schemeClr>
+          </a:lnRef>
+          <a:fillRef idx="1">
+            <a:schemeClr val="accent1"/>
+          </a:fillRef>
+          <a:effectRef idx="0">
+            <a:schemeClr val="accent1"/>
+          </a:effectRef>
+          <a:fontRef idx="minor">
+            <a:schemeClr val="lt1"/>
+          </a:fontRef>
+        </p:style>
+        <p:txBody>
+          <a:bodyPr rtlCol="0" anchor="ctr"/>
+          <a:lstStyle/>
+          <a:p>
+            <a:pPr algn="ctr"/>
+            <a:r>
+              <a:rPr lang="en-US" altLang="zh-CN" sz="2800" b="1" dirty="0">
+                <a:solidFill>
+                  <a:schemeClr val="tx1"/>
+                </a:solidFill>
+                <a:latin typeface="微软雅黑" panose="020B0503020204020204" pitchFamily="34" charset="-122"/>
+                <a:ea typeface="微软雅黑" panose="020B0503020204020204" pitchFamily="34" charset="-122"/>
+              </a:rPr>
+              <a:t>Cruise speed</a:t>
+            </a:r>
+            <a:endParaRPr lang="zh-CN" altLang="en-US" sz="2800" b="1" dirty="0">
+              <a:solidFill>
+                <a:schemeClr val="tx1"/>
+              </a:solidFill>
+              <a:latin typeface="微软雅黑" panose="020B0503020204020204" pitchFamily="34" charset="-122"/>
+              <a:ea typeface="微软雅黑" panose="020B0503020204020204" pitchFamily="34" charset="-122"/>
+            </a:endParaRPr>
+          </a:p>
+        </p:txBody>
+      </p:sp>
+    </p:spTree>
+    <p:extLst>
+      <p:ext uri="{BB962C8B-B14F-4D97-AF65-F5344CB8AC3E}">
+        <p14:creationId xmlns:p14="http://schemas.microsoft.com/office/powerpoint/2010/main" val="2840871782"/>
+      </p:ext>
+    </p:extLst>
+  </p:cSld>
+  <p:clrMapOvr>
+    <a:masterClrMapping/>
+  </p:clrMapOvr>
+</p:sld>
+</file>
+
+<file path=ppt/slides/slide11.xml><?xml version="1.0" encoding="utf-8"?>
+<p:sld xmlns:a="http://schemas.openxmlformats.org/drawingml/2006/main" xmlns:r="http://schemas.openxmlformats.org/officeDocument/2006/relationships" xmlns:p="http://schemas.openxmlformats.org/presentationml/2006/main">
+  <p:cSld>
+    <p:spTree>
+      <p:nvGrpSpPr>
+        <p:cNvPr id="1" name=""/>
+        <p:cNvGrpSpPr/>
+        <p:nvPr/>
+      </p:nvGrpSpPr>
+      <p:grpSpPr>
+        <a:xfrm>
+          <a:off x="0" y="0"/>
+          <a:ext cx="0" cy="0"/>
+          <a:chOff x="0" y="0"/>
+          <a:chExt cx="0" cy="0"/>
+        </a:xfrm>
+      </p:grpSpPr>
+      <p:sp>
+        <p:nvSpPr>
+          <p:cNvPr id="4" name="矩形 3">
+            <a:extLst>
+              <a:ext uri="{FF2B5EF4-FFF2-40B4-BE49-F238E27FC236}">
+                <a16:creationId xmlns:a16="http://schemas.microsoft.com/office/drawing/2014/main" id="{8589FB34-8F8B-40D1-A06D-03FDE89AE924}"/>
+              </a:ext>
+            </a:extLst>
+          </p:cNvPr>
+          <p:cNvSpPr/>
+          <p:nvPr/>
+        </p:nvSpPr>
+        <p:spPr>
+          <a:xfrm>
+            <a:off x="308610" y="369570"/>
+            <a:ext cx="6758940" cy="1287780"/>
+          </a:xfrm>
+          <a:prstGeom prst="rect">
+            <a:avLst/>
+          </a:prstGeom>
+          <a:noFill/>
+          <a:ln>
+            <a:noFill/>
+          </a:ln>
+        </p:spPr>
+        <p:style>
+          <a:lnRef idx="2">
+            <a:schemeClr val="accent1">
+              <a:shade val="50000"/>
+            </a:schemeClr>
+          </a:lnRef>
+          <a:fillRef idx="1">
+            <a:schemeClr val="accent1"/>
+          </a:fillRef>
+          <a:effectRef idx="0">
+            <a:schemeClr val="accent1"/>
+          </a:effectRef>
+          <a:fontRef idx="minor">
+            <a:schemeClr val="lt1"/>
+          </a:fontRef>
+        </p:style>
+        <p:txBody>
+          <a:bodyPr rtlCol="0" anchor="ctr"/>
+          <a:lstStyle/>
+          <a:p>
+            <a:pPr algn="ctr"/>
+            <a:r>
+              <a:rPr lang="zh-CN" altLang="en-US" sz="2800" b="1" dirty="0">
+                <a:solidFill>
+                  <a:schemeClr val="tx1"/>
+                </a:solidFill>
+                <a:latin typeface="微软雅黑" panose="020B0503020204020204" pitchFamily="34" charset="-122"/>
+                <a:ea typeface="微软雅黑" panose="020B0503020204020204" pitchFamily="34" charset="-122"/>
+              </a:rPr>
+              <a:t>将原分配序号改为将顺序在前优先级高，</a:t>
+            </a:r>
+            <a:r>
+              <a:rPr lang="en-US" altLang="zh-CN" sz="2800" b="1" dirty="0">
+                <a:solidFill>
+                  <a:schemeClr val="tx1"/>
+                </a:solidFill>
+                <a:latin typeface="微软雅黑" panose="020B0503020204020204" pitchFamily="34" charset="-122"/>
+                <a:ea typeface="微软雅黑" panose="020B0503020204020204" pitchFamily="34" charset="-122"/>
+              </a:rPr>
+              <a:t>emergency</a:t>
+            </a:r>
+            <a:r>
+              <a:rPr lang="zh-CN" altLang="en-US" sz="2800" b="1" dirty="0">
+                <a:solidFill>
+                  <a:schemeClr val="tx1"/>
+                </a:solidFill>
+                <a:latin typeface="微软雅黑" panose="020B0503020204020204" pitchFamily="34" charset="-122"/>
+                <a:ea typeface="微软雅黑" panose="020B0503020204020204" pitchFamily="34" charset="-122"/>
+              </a:rPr>
+              <a:t>插队</a:t>
+            </a:r>
+            <a:endParaRPr lang="en-US" altLang="zh-CN" sz="2800" b="1" dirty="0">
+              <a:solidFill>
+                <a:schemeClr val="tx1"/>
+              </a:solidFill>
+              <a:latin typeface="微软雅黑" panose="020B0503020204020204" pitchFamily="34" charset="-122"/>
+              <a:ea typeface="微软雅黑" panose="020B0503020204020204" pitchFamily="34" charset="-122"/>
+            </a:endParaRPr>
+          </a:p>
+          <a:p>
+            <a:pPr algn="ctr"/>
+            <a:r>
+              <a:rPr lang="zh-CN" altLang="en-US" sz="2800" b="1" dirty="0">
+                <a:solidFill>
+                  <a:schemeClr val="tx1"/>
+                </a:solidFill>
+                <a:latin typeface="微软雅黑" panose="020B0503020204020204" pitchFamily="34" charset="-122"/>
+                <a:ea typeface="微软雅黑" panose="020B0503020204020204" pitchFamily="34" charset="-122"/>
+              </a:rPr>
+              <a:t>解决紧急情况优先级问题</a:t>
+            </a:r>
+          </a:p>
+        </p:txBody>
+      </p:sp>
+      <p:sp>
+        <p:nvSpPr>
+          <p:cNvPr id="5" name="矩形 4">
+            <a:extLst>
+              <a:ext uri="{FF2B5EF4-FFF2-40B4-BE49-F238E27FC236}">
+                <a16:creationId xmlns:a16="http://schemas.microsoft.com/office/drawing/2014/main" id="{D7D2C821-BC5D-486B-BF45-B402757A06DF}"/>
+              </a:ext>
+            </a:extLst>
+          </p:cNvPr>
+          <p:cNvSpPr/>
+          <p:nvPr/>
+        </p:nvSpPr>
+        <p:spPr>
+          <a:xfrm>
+            <a:off x="108585" y="3122295"/>
+            <a:ext cx="6758940" cy="1287780"/>
+          </a:xfrm>
+          <a:prstGeom prst="rect">
+            <a:avLst/>
+          </a:prstGeom>
+          <a:noFill/>
+          <a:ln>
+            <a:noFill/>
+          </a:ln>
+        </p:spPr>
+        <p:style>
+          <a:lnRef idx="2">
+            <a:schemeClr val="accent1">
+              <a:shade val="50000"/>
+            </a:schemeClr>
+          </a:lnRef>
+          <a:fillRef idx="1">
+            <a:schemeClr val="accent1"/>
+          </a:fillRef>
+          <a:effectRef idx="0">
+            <a:schemeClr val="accent1"/>
+          </a:effectRef>
+          <a:fontRef idx="minor">
+            <a:schemeClr val="lt1"/>
+          </a:fontRef>
+        </p:style>
+        <p:txBody>
+          <a:bodyPr rtlCol="0" anchor="ctr"/>
+          <a:lstStyle/>
+          <a:p>
+            <a:pPr algn="ctr"/>
+            <a:r>
+              <a:rPr lang="zh-CN" altLang="en-US" sz="2800" b="1" dirty="0">
+                <a:solidFill>
+                  <a:schemeClr val="tx1"/>
+                </a:solidFill>
+                <a:latin typeface="微软雅黑" panose="020B0503020204020204" pitchFamily="34" charset="-122"/>
+                <a:ea typeface="微软雅黑" panose="020B0503020204020204" pitchFamily="34" charset="-122"/>
+              </a:rPr>
+              <a:t>空域容量？</a:t>
+            </a:r>
+          </a:p>
+        </p:txBody>
+      </p:sp>
+    </p:spTree>
+    <p:extLst>
+      <p:ext uri="{BB962C8B-B14F-4D97-AF65-F5344CB8AC3E}">
+        <p14:creationId xmlns:p14="http://schemas.microsoft.com/office/powerpoint/2010/main" val="4002296505"/>
+      </p:ext>
+    </p:extLst>
+  </p:cSld>
+  <p:clrMapOvr>
+    <a:masterClrMapping/>
+  </p:clrMapOvr>
+</p:sld>
+</file>
+
 <file path=ppt/slides/slide2.xml><?xml version="1.0" encoding="utf-8"?>
 <p:sld xmlns:a="http://schemas.openxmlformats.org/drawingml/2006/main" xmlns:r="http://schemas.openxmlformats.org/officeDocument/2006/relationships" xmlns:p="http://schemas.openxmlformats.org/presentationml/2006/main">
   <p:cSld>
@@ -6920,7 +7132,7 @@
             <p:nvPr/>
           </p:nvPicPr>
           <p:blipFill>
-            <a:blip r:embed="rId3"/>
+            <a:blip r:embed="rId2"/>
             <a:stretch>
               <a:fillRect/>
             </a:stretch>
@@ -11880,8 +12092,8 @@
         </p:nvSpPr>
         <p:spPr>
           <a:xfrm>
-            <a:off x="3213898" y="3538813"/>
-            <a:ext cx="2458243" cy="307777"/>
+            <a:off x="4275002" y="3551802"/>
+            <a:ext cx="762756" cy="369332"/>
           </a:xfrm>
           <a:prstGeom prst="rect">
             <a:avLst/>
@@ -11895,13 +12107,13 @@
           <a:lstStyle/>
           <a:p>
             <a:r>
-              <a:rPr lang="en-US" altLang="zh-CN" sz="1400" b="1">
+              <a:rPr lang="en-US" altLang="zh-CN" dirty="0">
                 <a:latin typeface="微软雅黑" panose="020B0503020204020204" pitchFamily="34" charset="-122"/>
                 <a:ea typeface="微软雅黑" panose="020B0503020204020204" pitchFamily="34" charset="-122"/>
               </a:rPr>
-              <a:t>MIN_SAFE_DISTANCE</a:t>
-            </a:r>
-            <a:endParaRPr lang="zh-CN" altLang="en-US" sz="1400" b="1" dirty="0">
+              <a:t>25m</a:t>
+            </a:r>
+            <a:endParaRPr lang="zh-CN" altLang="en-US" dirty="0">
               <a:latin typeface="微软雅黑" panose="020B0503020204020204" pitchFamily="34" charset="-122"/>
               <a:ea typeface="微软雅黑" panose="020B0503020204020204" pitchFamily="34" charset="-122"/>
             </a:endParaRPr>
@@ -12228,7 +12440,7 @@
             <p:nvPr/>
           </p:nvPicPr>
           <p:blipFill>
-            <a:blip r:embed="rId3"/>
+            <a:blip r:embed="rId2"/>
             <a:stretch>
               <a:fillRect/>
             </a:stretch>
@@ -12383,7 +12595,7 @@
           <p:nvPr/>
         </p:nvPicPr>
         <p:blipFill>
-          <a:blip r:embed="rId3"/>
+          <a:blip r:embed="rId2"/>
           <a:stretch>
             <a:fillRect/>
           </a:stretch>
@@ -12460,6 +12672,66 @@
           </a:p>
         </p:txBody>
       </p:sp>
+      <p:pic>
+        <p:nvPicPr>
+          <p:cNvPr id="248" name="图片 247">
+            <a:extLst>
+              <a:ext uri="{FF2B5EF4-FFF2-40B4-BE49-F238E27FC236}">
+                <a16:creationId xmlns:a16="http://schemas.microsoft.com/office/drawing/2014/main" id="{E29442E5-B472-4BAE-872F-7126A95231F6}"/>
+              </a:ext>
+            </a:extLst>
+          </p:cNvPr>
+          <p:cNvPicPr>
+            <a:picLocks noChangeAspect="1"/>
+          </p:cNvPicPr>
+          <p:nvPr/>
+        </p:nvPicPr>
+        <p:blipFill>
+          <a:blip r:embed="rId3"/>
+          <a:stretch>
+            <a:fillRect/>
+          </a:stretch>
+        </p:blipFill>
+        <p:spPr>
+          <a:xfrm>
+            <a:off x="11323320" y="5776052"/>
+            <a:ext cx="7726265" cy="3241246"/>
+          </a:xfrm>
+          <a:prstGeom prst="rect">
+            <a:avLst/>
+          </a:prstGeom>
+        </p:spPr>
+      </p:pic>
+      <p:pic>
+        <p:nvPicPr>
+          <p:cNvPr id="251" name="图片 250">
+            <a:extLst>
+              <a:ext uri="{FF2B5EF4-FFF2-40B4-BE49-F238E27FC236}">
+                <a16:creationId xmlns:a16="http://schemas.microsoft.com/office/drawing/2014/main" id="{87B60A05-4B9B-4DC9-BC90-7D2210A5268B}"/>
+              </a:ext>
+            </a:extLst>
+          </p:cNvPr>
+          <p:cNvPicPr>
+            <a:picLocks noChangeAspect="1"/>
+          </p:cNvPicPr>
+          <p:nvPr/>
+        </p:nvPicPr>
+        <p:blipFill>
+          <a:blip r:embed="rId4"/>
+          <a:stretch>
+            <a:fillRect/>
+          </a:stretch>
+        </p:blipFill>
+        <p:spPr>
+          <a:xfrm>
+            <a:off x="12430086" y="1006592"/>
+            <a:ext cx="4807924" cy="4523343"/>
+          </a:xfrm>
+          <a:prstGeom prst="rect">
+            <a:avLst/>
+          </a:prstGeom>
+        </p:spPr>
+      </p:pic>
     </p:spTree>
     <p:extLst>
       <p:ext uri="{BB962C8B-B14F-4D97-AF65-F5344CB8AC3E}">
@@ -13201,10 +13473,1947 @@
           </a:p>
         </p:txBody>
       </p:sp>
+      <p:sp>
+        <p:nvSpPr>
+          <p:cNvPr id="3" name="矩形 2">
+            <a:extLst>
+              <a:ext uri="{FF2B5EF4-FFF2-40B4-BE49-F238E27FC236}">
+                <a16:creationId xmlns:a16="http://schemas.microsoft.com/office/drawing/2014/main" id="{C237AAE9-A2DF-46CE-86C8-BDD59F2D3152}"/>
+              </a:ext>
+            </a:extLst>
+          </p:cNvPr>
+          <p:cNvSpPr/>
+          <p:nvPr/>
+        </p:nvSpPr>
+        <p:spPr>
+          <a:xfrm>
+            <a:off x="118899" y="2934103"/>
+            <a:ext cx="4801314" cy="369332"/>
+          </a:xfrm>
+          <a:prstGeom prst="rect">
+            <a:avLst/>
+          </a:prstGeom>
+        </p:spPr>
+        <p:txBody>
+          <a:bodyPr wrap="none">
+            <a:spAutoFit/>
+          </a:bodyPr>
+          <a:lstStyle/>
+          <a:p>
+            <a:r>
+              <a:rPr lang="zh-CN" altLang="en-US" dirty="0"/>
+              <a:t>考虑航向角分布、俯仰角限制、速度误差分布</a:t>
+            </a:r>
+          </a:p>
+        </p:txBody>
+      </p:sp>
+      <p:sp>
+        <p:nvSpPr>
+          <p:cNvPr id="7" name="矩形 6">
+            <a:extLst>
+              <a:ext uri="{FF2B5EF4-FFF2-40B4-BE49-F238E27FC236}">
+                <a16:creationId xmlns:a16="http://schemas.microsoft.com/office/drawing/2014/main" id="{BCBDF1AA-83B8-43CA-872D-C3EEA59A651C}"/>
+              </a:ext>
+            </a:extLst>
+          </p:cNvPr>
+          <p:cNvSpPr/>
+          <p:nvPr/>
+        </p:nvSpPr>
+        <p:spPr>
+          <a:xfrm>
+            <a:off x="119279" y="5061771"/>
+            <a:ext cx="6096000" cy="646331"/>
+          </a:xfrm>
+          <a:prstGeom prst="rect">
+            <a:avLst/>
+          </a:prstGeom>
+        </p:spPr>
+        <p:txBody>
+          <a:bodyPr>
+            <a:spAutoFit/>
+          </a:bodyPr>
+          <a:lstStyle/>
+          <a:p>
+            <a:r>
+              <a:rPr lang="zh-CN" altLang="en-US" dirty="0"/>
+              <a:t>轻型多旋翼、轻型复合翼、中型复合翼、 重型复合翼之间的最小安全间隔分别是</a:t>
+            </a:r>
+            <a:r>
+              <a:rPr lang="en-US" altLang="zh-CN" dirty="0"/>
+              <a:t>82</a:t>
+            </a:r>
+            <a:r>
+              <a:rPr lang="zh-CN" altLang="en-US" dirty="0"/>
+              <a:t>米、</a:t>
+            </a:r>
+            <a:r>
+              <a:rPr lang="en-US" altLang="zh-CN" dirty="0"/>
+              <a:t>83</a:t>
+            </a:r>
+            <a:r>
+              <a:rPr lang="zh-CN" altLang="en-US" dirty="0"/>
+              <a:t>米、</a:t>
+            </a:r>
+            <a:r>
+              <a:rPr lang="en-US" altLang="zh-CN" dirty="0"/>
+              <a:t>93</a:t>
+            </a:r>
+            <a:r>
+              <a:rPr lang="zh-CN" altLang="en-US" dirty="0"/>
+              <a:t>米、</a:t>
+            </a:r>
+            <a:r>
+              <a:rPr lang="en-US" altLang="zh-CN" dirty="0"/>
+              <a:t>102</a:t>
+            </a:r>
+            <a:r>
+              <a:rPr lang="zh-CN" altLang="en-US" dirty="0"/>
+              <a:t>米</a:t>
+            </a:r>
+          </a:p>
+        </p:txBody>
+      </p:sp>
+      <p:sp>
+        <p:nvSpPr>
+          <p:cNvPr id="9" name="矩形 8">
+            <a:extLst>
+              <a:ext uri="{FF2B5EF4-FFF2-40B4-BE49-F238E27FC236}">
+                <a16:creationId xmlns:a16="http://schemas.microsoft.com/office/drawing/2014/main" id="{293076EE-CC2A-4548-BA9B-CE841B9356BB}"/>
+              </a:ext>
+            </a:extLst>
+          </p:cNvPr>
+          <p:cNvSpPr/>
+          <p:nvPr/>
+        </p:nvSpPr>
+        <p:spPr>
+          <a:xfrm>
+            <a:off x="118899" y="3510257"/>
+            <a:ext cx="2492990" cy="369332"/>
+          </a:xfrm>
+          <a:prstGeom prst="rect">
+            <a:avLst/>
+          </a:prstGeom>
+        </p:spPr>
+        <p:txBody>
+          <a:bodyPr wrap="none">
+            <a:spAutoFit/>
+          </a:bodyPr>
+          <a:lstStyle/>
+          <a:p>
+            <a:r>
+              <a:rPr lang="zh-CN" altLang="en-US" dirty="0"/>
+              <a:t>飞行器位置和速度误差</a:t>
+            </a:r>
+          </a:p>
+        </p:txBody>
+      </p:sp>
     </p:spTree>
     <p:extLst>
       <p:ext uri="{BB962C8B-B14F-4D97-AF65-F5344CB8AC3E}">
         <p14:creationId xmlns:p14="http://schemas.microsoft.com/office/powerpoint/2010/main" val="2866606737"/>
+      </p:ext>
+    </p:extLst>
+  </p:cSld>
+  <p:clrMapOvr>
+    <a:masterClrMapping/>
+  </p:clrMapOvr>
+</p:sld>
+</file>
+
+<file path=ppt/slides/slide6.xml><?xml version="1.0" encoding="utf-8"?>
+<p:sld xmlns:a="http://schemas.openxmlformats.org/drawingml/2006/main" xmlns:r="http://schemas.openxmlformats.org/officeDocument/2006/relationships" xmlns:p="http://schemas.openxmlformats.org/presentationml/2006/main">
+  <p:cSld>
+    <p:spTree>
+      <p:nvGrpSpPr>
+        <p:cNvPr id="1" name=""/>
+        <p:cNvGrpSpPr/>
+        <p:nvPr/>
+      </p:nvGrpSpPr>
+      <p:grpSpPr>
+        <a:xfrm>
+          <a:off x="0" y="0"/>
+          <a:ext cx="0" cy="0"/>
+          <a:chOff x="0" y="0"/>
+          <a:chExt cx="0" cy="0"/>
+        </a:xfrm>
+      </p:grpSpPr>
+      <p:pic>
+        <p:nvPicPr>
+          <p:cNvPr id="4" name="图片 3">
+            <a:extLst>
+              <a:ext uri="{FF2B5EF4-FFF2-40B4-BE49-F238E27FC236}">
+                <a16:creationId xmlns:a16="http://schemas.microsoft.com/office/drawing/2014/main" id="{60F516E0-3B63-4C05-B0F9-2F0D22C0D1D1}"/>
+              </a:ext>
+            </a:extLst>
+          </p:cNvPr>
+          <p:cNvPicPr>
+            <a:picLocks noChangeAspect="1"/>
+          </p:cNvPicPr>
+          <p:nvPr/>
+        </p:nvPicPr>
+        <p:blipFill>
+          <a:blip r:embed="rId2"/>
+          <a:stretch>
+            <a:fillRect/>
+          </a:stretch>
+        </p:blipFill>
+        <p:spPr>
+          <a:xfrm>
+            <a:off x="130492" y="2171699"/>
+            <a:ext cx="4589373" cy="4572953"/>
+          </a:xfrm>
+          <a:prstGeom prst="rect">
+            <a:avLst/>
+          </a:prstGeom>
+        </p:spPr>
+      </p:pic>
+      <p:pic>
+        <p:nvPicPr>
+          <p:cNvPr id="5" name="图片 4">
+            <a:extLst>
+              <a:ext uri="{FF2B5EF4-FFF2-40B4-BE49-F238E27FC236}">
+                <a16:creationId xmlns:a16="http://schemas.microsoft.com/office/drawing/2014/main" id="{46B1E212-4124-4718-92C6-A3169C207C02}"/>
+              </a:ext>
+            </a:extLst>
+          </p:cNvPr>
+          <p:cNvPicPr>
+            <a:picLocks noChangeAspect="1"/>
+          </p:cNvPicPr>
+          <p:nvPr/>
+        </p:nvPicPr>
+        <p:blipFill>
+          <a:blip r:embed="rId3"/>
+          <a:stretch>
+            <a:fillRect/>
+          </a:stretch>
+        </p:blipFill>
+        <p:spPr>
+          <a:xfrm>
+            <a:off x="130492" y="833438"/>
+            <a:ext cx="4681538" cy="1624864"/>
+          </a:xfrm>
+          <a:prstGeom prst="rect">
+            <a:avLst/>
+          </a:prstGeom>
+        </p:spPr>
+      </p:pic>
+      <p:pic>
+        <p:nvPicPr>
+          <p:cNvPr id="6" name="图片 5">
+            <a:extLst>
+              <a:ext uri="{FF2B5EF4-FFF2-40B4-BE49-F238E27FC236}">
+                <a16:creationId xmlns:a16="http://schemas.microsoft.com/office/drawing/2014/main" id="{75F7DA47-F8FD-48EE-B1BE-8317246F0DE1}"/>
+              </a:ext>
+            </a:extLst>
+          </p:cNvPr>
+          <p:cNvPicPr>
+            <a:picLocks noChangeAspect="1"/>
+          </p:cNvPicPr>
+          <p:nvPr/>
+        </p:nvPicPr>
+        <p:blipFill>
+          <a:blip r:embed="rId4"/>
+          <a:stretch>
+            <a:fillRect/>
+          </a:stretch>
+        </p:blipFill>
+        <p:spPr>
+          <a:xfrm>
+            <a:off x="5970270" y="833438"/>
+            <a:ext cx="5654040" cy="3064807"/>
+          </a:xfrm>
+          <a:prstGeom prst="rect">
+            <a:avLst/>
+          </a:prstGeom>
+        </p:spPr>
+      </p:pic>
+      <p:sp>
+        <p:nvSpPr>
+          <p:cNvPr id="7" name="矩形 6">
+            <a:extLst>
+              <a:ext uri="{FF2B5EF4-FFF2-40B4-BE49-F238E27FC236}">
+                <a16:creationId xmlns:a16="http://schemas.microsoft.com/office/drawing/2014/main" id="{7992CA57-154F-4FFF-9908-7B6DE388369A}"/>
+              </a:ext>
+            </a:extLst>
+          </p:cNvPr>
+          <p:cNvSpPr/>
+          <p:nvPr/>
+        </p:nvSpPr>
+        <p:spPr>
+          <a:xfrm>
+            <a:off x="986322" y="249674"/>
+            <a:ext cx="2877711" cy="369332"/>
+          </a:xfrm>
+          <a:prstGeom prst="rect">
+            <a:avLst/>
+          </a:prstGeom>
+        </p:spPr>
+        <p:txBody>
+          <a:bodyPr wrap="none">
+            <a:spAutoFit/>
+          </a:bodyPr>
+          <a:lstStyle/>
+          <a:p>
+            <a:r>
+              <a:rPr lang="en-US" altLang="zh-CN" dirty="0"/>
+              <a:t>1 </a:t>
+            </a:r>
+            <a:r>
+              <a:rPr lang="zh-CN" altLang="en-US" dirty="0"/>
+              <a:t>复合翼型</a:t>
+            </a:r>
+            <a:r>
+              <a:rPr lang="en-US" altLang="zh-CN" dirty="0" err="1"/>
+              <a:t>eVTOL</a:t>
+            </a:r>
+            <a:r>
+              <a:rPr lang="zh-CN" altLang="en-US" dirty="0"/>
+              <a:t>碰撞模型</a:t>
+            </a:r>
+          </a:p>
+        </p:txBody>
+      </p:sp>
+      <p:sp>
+        <p:nvSpPr>
+          <p:cNvPr id="8" name="矩形 7">
+            <a:extLst>
+              <a:ext uri="{FF2B5EF4-FFF2-40B4-BE49-F238E27FC236}">
+                <a16:creationId xmlns:a16="http://schemas.microsoft.com/office/drawing/2014/main" id="{6B6E3DD5-244F-4653-A8AA-219F288A7227}"/>
+              </a:ext>
+            </a:extLst>
+          </p:cNvPr>
+          <p:cNvSpPr/>
+          <p:nvPr/>
+        </p:nvSpPr>
+        <p:spPr>
+          <a:xfrm>
+            <a:off x="6554524" y="249674"/>
+            <a:ext cx="2877711" cy="369332"/>
+          </a:xfrm>
+          <a:prstGeom prst="rect">
+            <a:avLst/>
+          </a:prstGeom>
+        </p:spPr>
+        <p:txBody>
+          <a:bodyPr wrap="none">
+            <a:spAutoFit/>
+          </a:bodyPr>
+          <a:lstStyle/>
+          <a:p>
+            <a:r>
+              <a:rPr lang="en-US" altLang="zh-CN" dirty="0"/>
+              <a:t>2 </a:t>
+            </a:r>
+            <a:r>
+              <a:rPr lang="zh-CN" altLang="en-US" dirty="0"/>
+              <a:t>多旋翼型</a:t>
+            </a:r>
+            <a:r>
+              <a:rPr lang="en-US" altLang="zh-CN" dirty="0" err="1"/>
+              <a:t>eVTOL</a:t>
+            </a:r>
+            <a:r>
+              <a:rPr lang="zh-CN" altLang="en-US" dirty="0"/>
+              <a:t>碰撞模型</a:t>
+            </a:r>
+          </a:p>
+        </p:txBody>
+      </p:sp>
+    </p:spTree>
+    <p:extLst>
+      <p:ext uri="{BB962C8B-B14F-4D97-AF65-F5344CB8AC3E}">
+        <p14:creationId xmlns:p14="http://schemas.microsoft.com/office/powerpoint/2010/main" val="3012228791"/>
+      </p:ext>
+    </p:extLst>
+  </p:cSld>
+  <p:clrMapOvr>
+    <a:masterClrMapping/>
+  </p:clrMapOvr>
+</p:sld>
+</file>
+
+<file path=ppt/slides/slide7.xml><?xml version="1.0" encoding="utf-8"?>
+<p:sld xmlns:a="http://schemas.openxmlformats.org/drawingml/2006/main" xmlns:r="http://schemas.openxmlformats.org/officeDocument/2006/relationships" xmlns:p="http://schemas.openxmlformats.org/presentationml/2006/main">
+  <p:cSld>
+    <p:spTree>
+      <p:nvGrpSpPr>
+        <p:cNvPr id="1" name=""/>
+        <p:cNvGrpSpPr/>
+        <p:nvPr/>
+      </p:nvGrpSpPr>
+      <p:grpSpPr>
+        <a:xfrm>
+          <a:off x="0" y="0"/>
+          <a:ext cx="0" cy="0"/>
+          <a:chOff x="0" y="0"/>
+          <a:chExt cx="0" cy="0"/>
+        </a:xfrm>
+      </p:grpSpPr>
+      <p:pic>
+        <p:nvPicPr>
+          <p:cNvPr id="4" name="图片 3">
+            <a:extLst>
+              <a:ext uri="{FF2B5EF4-FFF2-40B4-BE49-F238E27FC236}">
+                <a16:creationId xmlns:a16="http://schemas.microsoft.com/office/drawing/2014/main" id="{29DA2FD0-56FE-4EEB-B9E4-DC8E3D91F029}"/>
+              </a:ext>
+            </a:extLst>
+          </p:cNvPr>
+          <p:cNvPicPr>
+            <a:picLocks noChangeAspect="1"/>
+          </p:cNvPicPr>
+          <p:nvPr/>
+        </p:nvPicPr>
+        <p:blipFill>
+          <a:blip r:embed="rId2"/>
+          <a:stretch>
+            <a:fillRect/>
+          </a:stretch>
+        </p:blipFill>
+        <p:spPr>
+          <a:xfrm>
+            <a:off x="0" y="71436"/>
+            <a:ext cx="5524500" cy="2543175"/>
+          </a:xfrm>
+          <a:prstGeom prst="rect">
+            <a:avLst/>
+          </a:prstGeom>
+        </p:spPr>
+      </p:pic>
+      <p:pic>
+        <p:nvPicPr>
+          <p:cNvPr id="5" name="图片 4">
+            <a:extLst>
+              <a:ext uri="{FF2B5EF4-FFF2-40B4-BE49-F238E27FC236}">
+                <a16:creationId xmlns:a16="http://schemas.microsoft.com/office/drawing/2014/main" id="{AB55F0D8-8F2F-4495-B7DE-B7A18DD9304C}"/>
+              </a:ext>
+            </a:extLst>
+          </p:cNvPr>
+          <p:cNvPicPr>
+            <a:picLocks noChangeAspect="1"/>
+          </p:cNvPicPr>
+          <p:nvPr/>
+        </p:nvPicPr>
+        <p:blipFill>
+          <a:blip r:embed="rId3"/>
+          <a:stretch>
+            <a:fillRect/>
+          </a:stretch>
+        </p:blipFill>
+        <p:spPr>
+          <a:xfrm>
+            <a:off x="5744528" y="172354"/>
+            <a:ext cx="4248150" cy="2547351"/>
+          </a:xfrm>
+          <a:prstGeom prst="rect">
+            <a:avLst/>
+          </a:prstGeom>
+        </p:spPr>
+      </p:pic>
+      <p:graphicFrame>
+        <p:nvGraphicFramePr>
+          <p:cNvPr id="7" name="表格 6">
+            <a:extLst>
+              <a:ext uri="{FF2B5EF4-FFF2-40B4-BE49-F238E27FC236}">
+                <a16:creationId xmlns:a16="http://schemas.microsoft.com/office/drawing/2014/main" id="{2C443D2D-914A-4249-82DD-E1BE04191A8D}"/>
+              </a:ext>
+            </a:extLst>
+          </p:cNvPr>
+          <p:cNvGraphicFramePr>
+            <a:graphicFrameLocks noGrp="1"/>
+          </p:cNvGraphicFramePr>
+          <p:nvPr>
+            <p:extLst>
+              <p:ext uri="{D42A27DB-BD31-4B8C-83A1-F6EECF244321}">
+                <p14:modId xmlns:p14="http://schemas.microsoft.com/office/powerpoint/2010/main" val="2149519172"/>
+              </p:ext>
+            </p:extLst>
+          </p:nvPr>
+        </p:nvGraphicFramePr>
+        <p:xfrm>
+          <a:off x="5246370" y="2920417"/>
+          <a:ext cx="6560821" cy="3765231"/>
+        </p:xfrm>
+        <a:graphic>
+          <a:graphicData uri="http://schemas.openxmlformats.org/drawingml/2006/table">
+            <a:tbl>
+              <a:tblPr firstRow="1" firstCol="1" bandRow="1">
+                <a:tableStyleId>{5C22544A-7EE6-4342-B048-85BDC9FD1C3A}</a:tableStyleId>
+              </a:tblPr>
+              <a:tblGrid>
+                <a:gridCol w="1408715">
+                  <a:extLst>
+                    <a:ext uri="{9D8B030D-6E8A-4147-A177-3AD203B41FA5}">
+                      <a16:colId xmlns:a16="http://schemas.microsoft.com/office/drawing/2014/main" val="513223213"/>
+                    </a:ext>
+                  </a:extLst>
+                </a:gridCol>
+                <a:gridCol w="1408715">
+                  <a:extLst>
+                    <a:ext uri="{9D8B030D-6E8A-4147-A177-3AD203B41FA5}">
+                      <a16:colId xmlns:a16="http://schemas.microsoft.com/office/drawing/2014/main" val="98371653"/>
+                    </a:ext>
+                  </a:extLst>
+                </a:gridCol>
+                <a:gridCol w="1408715">
+                  <a:extLst>
+                    <a:ext uri="{9D8B030D-6E8A-4147-A177-3AD203B41FA5}">
+                      <a16:colId xmlns:a16="http://schemas.microsoft.com/office/drawing/2014/main" val="609910440"/>
+                    </a:ext>
+                  </a:extLst>
+                </a:gridCol>
+                <a:gridCol w="2334676">
+                  <a:extLst>
+                    <a:ext uri="{9D8B030D-6E8A-4147-A177-3AD203B41FA5}">
+                      <a16:colId xmlns:a16="http://schemas.microsoft.com/office/drawing/2014/main" val="2134786394"/>
+                    </a:ext>
+                  </a:extLst>
+                </a:gridCol>
+              </a:tblGrid>
+              <a:tr h="418359">
+                <a:tc>
+                  <a:txBody>
+                    <a:bodyPr/>
+                    <a:lstStyle/>
+                    <a:p>
+                      <a:pPr algn="l" fontAlgn="base" latinLnBrk="1">
+                        <a:lnSpc>
+                          <a:spcPct val="200000"/>
+                        </a:lnSpc>
+                        <a:spcAft>
+                          <a:spcPts val="0"/>
+                        </a:spcAft>
+                      </a:pPr>
+                      <a:r>
+                        <a:rPr lang="zh-CN" sz="1100" kern="0" spc="40">
+                          <a:effectLst/>
+                        </a:rPr>
+                        <a:t>名称</a:t>
+                      </a:r>
+                      <a:endParaRPr lang="zh-CN" sz="900" kern="100">
+                        <a:effectLst/>
+                        <a:latin typeface="等线" panose="02010600030101010101" pitchFamily="2" charset="-122"/>
+                        <a:ea typeface="等线" panose="02010600030101010101" pitchFamily="2" charset="-122"/>
+                        <a:cs typeface="Times New Roman" panose="02020603050405020304" pitchFamily="18" charset="0"/>
+                      </a:endParaRPr>
+                    </a:p>
+                  </a:txBody>
+                  <a:tcPr marL="81052" marR="81052" marT="40526" marB="40526" anchor="b"/>
+                </a:tc>
+                <a:tc>
+                  <a:txBody>
+                    <a:bodyPr/>
+                    <a:lstStyle/>
+                    <a:p>
+                      <a:pPr algn="l" fontAlgn="base" latinLnBrk="1">
+                        <a:lnSpc>
+                          <a:spcPct val="200000"/>
+                        </a:lnSpc>
+                        <a:spcAft>
+                          <a:spcPts val="0"/>
+                        </a:spcAft>
+                      </a:pPr>
+                      <a:r>
+                        <a:rPr lang="zh-CN" sz="1100" kern="0" spc="40">
+                          <a:effectLst/>
+                        </a:rPr>
+                        <a:t>构型特点</a:t>
+                      </a:r>
+                      <a:endParaRPr lang="zh-CN" sz="900" kern="100">
+                        <a:effectLst/>
+                        <a:latin typeface="等线" panose="02010600030101010101" pitchFamily="2" charset="-122"/>
+                        <a:ea typeface="等线" panose="02010600030101010101" pitchFamily="2" charset="-122"/>
+                        <a:cs typeface="Times New Roman" panose="02020603050405020304" pitchFamily="18" charset="0"/>
+                      </a:endParaRPr>
+                    </a:p>
+                  </a:txBody>
+                  <a:tcPr marL="81052" marR="81052" marT="40526" marB="40526" anchor="b"/>
+                </a:tc>
+                <a:tc>
+                  <a:txBody>
+                    <a:bodyPr/>
+                    <a:lstStyle/>
+                    <a:p>
+                      <a:pPr algn="l" fontAlgn="base" latinLnBrk="1">
+                        <a:lnSpc>
+                          <a:spcPct val="200000"/>
+                        </a:lnSpc>
+                        <a:spcAft>
+                          <a:spcPts val="0"/>
+                        </a:spcAft>
+                      </a:pPr>
+                      <a:r>
+                        <a:rPr lang="zh-CN" sz="1100" kern="0" spc="40">
+                          <a:effectLst/>
+                        </a:rPr>
+                        <a:t>航程</a:t>
+                      </a:r>
+                      <a:endParaRPr lang="zh-CN" sz="900" kern="100">
+                        <a:effectLst/>
+                        <a:latin typeface="等线" panose="02010600030101010101" pitchFamily="2" charset="-122"/>
+                        <a:ea typeface="等线" panose="02010600030101010101" pitchFamily="2" charset="-122"/>
+                        <a:cs typeface="Times New Roman" panose="02020603050405020304" pitchFamily="18" charset="0"/>
+                      </a:endParaRPr>
+                    </a:p>
+                  </a:txBody>
+                  <a:tcPr marL="81052" marR="81052" marT="40526" marB="40526" anchor="b"/>
+                </a:tc>
+                <a:tc>
+                  <a:txBody>
+                    <a:bodyPr/>
+                    <a:lstStyle/>
+                    <a:p>
+                      <a:pPr algn="ctr" fontAlgn="base">
+                        <a:lnSpc>
+                          <a:spcPct val="200000"/>
+                        </a:lnSpc>
+                        <a:spcAft>
+                          <a:spcPts val="0"/>
+                        </a:spcAft>
+                      </a:pPr>
+                      <a:r>
+                        <a:rPr lang="zh-CN" sz="1100" kern="0" spc="40">
+                          <a:effectLst/>
+                        </a:rPr>
+                        <a:t>最大巡航速度</a:t>
+                      </a:r>
+                      <a:endParaRPr lang="zh-CN" sz="900" kern="100">
+                        <a:effectLst/>
+                        <a:latin typeface="等线" panose="02010600030101010101" pitchFamily="2" charset="-122"/>
+                        <a:ea typeface="等线" panose="02010600030101010101" pitchFamily="2" charset="-122"/>
+                        <a:cs typeface="Times New Roman" panose="02020603050405020304" pitchFamily="18" charset="0"/>
+                      </a:endParaRPr>
+                    </a:p>
+                  </a:txBody>
+                  <a:tcPr marL="0" marR="0" marT="0" marB="0"/>
+                </a:tc>
+                <a:extLst>
+                  <a:ext uri="{0D108BD9-81ED-4DB2-BD59-A6C34878D82A}">
+                    <a16:rowId xmlns:a16="http://schemas.microsoft.com/office/drawing/2014/main" val="648081454"/>
+                  </a:ext>
+                </a:extLst>
+              </a:tr>
+              <a:tr h="418359">
+                <a:tc>
+                  <a:txBody>
+                    <a:bodyPr/>
+                    <a:lstStyle/>
+                    <a:p>
+                      <a:pPr algn="l" fontAlgn="base">
+                        <a:lnSpc>
+                          <a:spcPct val="200000"/>
+                        </a:lnSpc>
+                        <a:spcAft>
+                          <a:spcPts val="0"/>
+                        </a:spcAft>
+                      </a:pPr>
+                      <a:r>
+                        <a:rPr lang="en-US" sz="1100" kern="0" spc="40">
+                          <a:effectLst/>
+                        </a:rPr>
+                        <a:t>Heaviside</a:t>
+                      </a:r>
+                      <a:endParaRPr lang="zh-CN" sz="900" kern="100">
+                        <a:effectLst/>
+                        <a:latin typeface="等线" panose="02010600030101010101" pitchFamily="2" charset="-122"/>
+                        <a:ea typeface="等线" panose="02010600030101010101" pitchFamily="2" charset="-122"/>
+                        <a:cs typeface="Times New Roman" panose="02020603050405020304" pitchFamily="18" charset="0"/>
+                      </a:endParaRPr>
+                    </a:p>
+                  </a:txBody>
+                  <a:tcPr marL="81052" marR="81052" marT="40526" marB="40526" anchor="b"/>
+                </a:tc>
+                <a:tc>
+                  <a:txBody>
+                    <a:bodyPr/>
+                    <a:lstStyle/>
+                    <a:p>
+                      <a:pPr algn="l" fontAlgn="base" latinLnBrk="1">
+                        <a:lnSpc>
+                          <a:spcPct val="200000"/>
+                        </a:lnSpc>
+                        <a:spcAft>
+                          <a:spcPts val="0"/>
+                        </a:spcAft>
+                      </a:pPr>
+                      <a:r>
+                        <a:rPr lang="zh-CN" sz="1100" kern="0" spc="40">
+                          <a:effectLst/>
+                        </a:rPr>
+                        <a:t>倾转旋翼</a:t>
+                      </a:r>
+                      <a:endParaRPr lang="zh-CN" sz="900" kern="100">
+                        <a:effectLst/>
+                        <a:latin typeface="等线" panose="02010600030101010101" pitchFamily="2" charset="-122"/>
+                        <a:ea typeface="等线" panose="02010600030101010101" pitchFamily="2" charset="-122"/>
+                        <a:cs typeface="Times New Roman" panose="02020603050405020304" pitchFamily="18" charset="0"/>
+                      </a:endParaRPr>
+                    </a:p>
+                  </a:txBody>
+                  <a:tcPr marL="81052" marR="81052" marT="40526" marB="40526" anchor="b"/>
+                </a:tc>
+                <a:tc>
+                  <a:txBody>
+                    <a:bodyPr/>
+                    <a:lstStyle/>
+                    <a:p>
+                      <a:pPr algn="l" fontAlgn="base" latinLnBrk="1">
+                        <a:lnSpc>
+                          <a:spcPct val="200000"/>
+                        </a:lnSpc>
+                        <a:spcAft>
+                          <a:spcPts val="0"/>
+                        </a:spcAft>
+                      </a:pPr>
+                      <a:r>
+                        <a:rPr lang="en-US" sz="1100" kern="0" spc="40">
+                          <a:effectLst/>
+                        </a:rPr>
+                        <a:t>161</a:t>
+                      </a:r>
+                      <a:r>
+                        <a:rPr lang="zh-CN" sz="1100" kern="0" spc="40">
+                          <a:effectLst/>
+                        </a:rPr>
+                        <a:t>公里</a:t>
+                      </a:r>
+                      <a:endParaRPr lang="zh-CN" sz="900" kern="100">
+                        <a:effectLst/>
+                        <a:latin typeface="等线" panose="02010600030101010101" pitchFamily="2" charset="-122"/>
+                        <a:ea typeface="等线" panose="02010600030101010101" pitchFamily="2" charset="-122"/>
+                        <a:cs typeface="Times New Roman" panose="02020603050405020304" pitchFamily="18" charset="0"/>
+                      </a:endParaRPr>
+                    </a:p>
+                  </a:txBody>
+                  <a:tcPr marL="81052" marR="81052" marT="40526" marB="40526" anchor="b"/>
+                </a:tc>
+                <a:tc>
+                  <a:txBody>
+                    <a:bodyPr/>
+                    <a:lstStyle/>
+                    <a:p>
+                      <a:pPr algn="ctr" fontAlgn="base">
+                        <a:lnSpc>
+                          <a:spcPct val="200000"/>
+                        </a:lnSpc>
+                        <a:spcAft>
+                          <a:spcPts val="0"/>
+                        </a:spcAft>
+                      </a:pPr>
+                      <a:r>
+                        <a:rPr lang="en-US" sz="1000" kern="0">
+                          <a:effectLst/>
+                        </a:rPr>
+                        <a:t>130</a:t>
+                      </a:r>
+                      <a:r>
+                        <a:rPr lang="zh-CN" sz="1000" kern="0">
+                          <a:effectLst/>
+                        </a:rPr>
+                        <a:t>公里每小时</a:t>
+                      </a:r>
+                      <a:endParaRPr lang="zh-CN" sz="900" kern="100">
+                        <a:effectLst/>
+                        <a:latin typeface="等线" panose="02010600030101010101" pitchFamily="2" charset="-122"/>
+                        <a:ea typeface="等线" panose="02010600030101010101" pitchFamily="2" charset="-122"/>
+                        <a:cs typeface="Times New Roman" panose="02020603050405020304" pitchFamily="18" charset="0"/>
+                      </a:endParaRPr>
+                    </a:p>
+                  </a:txBody>
+                  <a:tcPr marL="0" marR="0" marT="0" marB="0"/>
+                </a:tc>
+                <a:extLst>
+                  <a:ext uri="{0D108BD9-81ED-4DB2-BD59-A6C34878D82A}">
+                    <a16:rowId xmlns:a16="http://schemas.microsoft.com/office/drawing/2014/main" val="1600642442"/>
+                  </a:ext>
+                </a:extLst>
+              </a:tr>
+              <a:tr h="418359">
+                <a:tc>
+                  <a:txBody>
+                    <a:bodyPr/>
+                    <a:lstStyle/>
+                    <a:p>
+                      <a:pPr algn="l" fontAlgn="base" latinLnBrk="1">
+                        <a:lnSpc>
+                          <a:spcPct val="200000"/>
+                        </a:lnSpc>
+                        <a:spcAft>
+                          <a:spcPts val="0"/>
+                        </a:spcAft>
+                      </a:pPr>
+                      <a:r>
+                        <a:rPr lang="zh-CN" sz="1000" kern="0" dirty="0">
+                          <a:effectLst/>
+                        </a:rPr>
+                        <a:t>盛世龙</a:t>
+                      </a:r>
+                      <a:endParaRPr lang="zh-CN" sz="900" kern="100" dirty="0">
+                        <a:effectLst/>
+                        <a:latin typeface="等线" panose="02010600030101010101" pitchFamily="2" charset="-122"/>
+                        <a:ea typeface="等线" panose="02010600030101010101" pitchFamily="2" charset="-122"/>
+                        <a:cs typeface="Times New Roman" panose="02020603050405020304" pitchFamily="18" charset="0"/>
+                      </a:endParaRPr>
+                    </a:p>
+                  </a:txBody>
+                  <a:tcPr marL="81052" marR="81052" marT="40526" marB="40526" anchor="b"/>
+                </a:tc>
+                <a:tc>
+                  <a:txBody>
+                    <a:bodyPr/>
+                    <a:lstStyle/>
+                    <a:p>
+                      <a:pPr algn="l" fontAlgn="base" latinLnBrk="1">
+                        <a:lnSpc>
+                          <a:spcPct val="200000"/>
+                        </a:lnSpc>
+                        <a:spcAft>
+                          <a:spcPts val="0"/>
+                        </a:spcAft>
+                      </a:pPr>
+                      <a:r>
+                        <a:rPr lang="zh-CN" sz="1100" kern="0" spc="40">
+                          <a:effectLst/>
+                        </a:rPr>
+                        <a:t>复合翼构型</a:t>
+                      </a:r>
+                      <a:endParaRPr lang="zh-CN" sz="900" kern="100">
+                        <a:effectLst/>
+                        <a:latin typeface="等线" panose="02010600030101010101" pitchFamily="2" charset="-122"/>
+                        <a:ea typeface="等线" panose="02010600030101010101" pitchFamily="2" charset="-122"/>
+                        <a:cs typeface="Times New Roman" panose="02020603050405020304" pitchFamily="18" charset="0"/>
+                      </a:endParaRPr>
+                    </a:p>
+                  </a:txBody>
+                  <a:tcPr marL="81052" marR="81052" marT="40526" marB="40526" anchor="b"/>
+                </a:tc>
+                <a:tc>
+                  <a:txBody>
+                    <a:bodyPr/>
+                    <a:lstStyle/>
+                    <a:p>
+                      <a:pPr algn="l" fontAlgn="base" latinLnBrk="1">
+                        <a:lnSpc>
+                          <a:spcPct val="200000"/>
+                        </a:lnSpc>
+                        <a:spcAft>
+                          <a:spcPts val="0"/>
+                        </a:spcAft>
+                      </a:pPr>
+                      <a:r>
+                        <a:rPr lang="en-US" sz="1100" kern="0" spc="40">
+                          <a:effectLst/>
+                        </a:rPr>
+                        <a:t>250</a:t>
+                      </a:r>
+                      <a:r>
+                        <a:rPr lang="zh-CN" sz="1100" kern="0" spc="40">
+                          <a:effectLst/>
+                        </a:rPr>
+                        <a:t>公里</a:t>
+                      </a:r>
+                      <a:endParaRPr lang="zh-CN" sz="900" kern="100">
+                        <a:effectLst/>
+                        <a:latin typeface="等线" panose="02010600030101010101" pitchFamily="2" charset="-122"/>
+                        <a:ea typeface="等线" panose="02010600030101010101" pitchFamily="2" charset="-122"/>
+                        <a:cs typeface="Times New Roman" panose="02020603050405020304" pitchFamily="18" charset="0"/>
+                      </a:endParaRPr>
+                    </a:p>
+                  </a:txBody>
+                  <a:tcPr marL="81052" marR="81052" marT="40526" marB="40526" anchor="b"/>
+                </a:tc>
+                <a:tc>
+                  <a:txBody>
+                    <a:bodyPr/>
+                    <a:lstStyle/>
+                    <a:p>
+                      <a:pPr algn="ctr" fontAlgn="base">
+                        <a:lnSpc>
+                          <a:spcPct val="200000"/>
+                        </a:lnSpc>
+                        <a:spcAft>
+                          <a:spcPts val="0"/>
+                        </a:spcAft>
+                      </a:pPr>
+                      <a:r>
+                        <a:rPr lang="en-US" sz="1100" kern="0" spc="40">
+                          <a:effectLst/>
+                        </a:rPr>
+                        <a:t>200</a:t>
+                      </a:r>
+                      <a:r>
+                        <a:rPr lang="zh-CN" sz="1000" kern="0">
+                          <a:effectLst/>
+                        </a:rPr>
+                        <a:t>公里每小时</a:t>
+                      </a:r>
+                      <a:endParaRPr lang="zh-CN" sz="900" kern="100">
+                        <a:effectLst/>
+                        <a:latin typeface="等线" panose="02010600030101010101" pitchFamily="2" charset="-122"/>
+                        <a:ea typeface="等线" panose="02010600030101010101" pitchFamily="2" charset="-122"/>
+                        <a:cs typeface="Times New Roman" panose="02020603050405020304" pitchFamily="18" charset="0"/>
+                      </a:endParaRPr>
+                    </a:p>
+                  </a:txBody>
+                  <a:tcPr marL="0" marR="0" marT="0" marB="0"/>
+                </a:tc>
+                <a:extLst>
+                  <a:ext uri="{0D108BD9-81ED-4DB2-BD59-A6C34878D82A}">
+                    <a16:rowId xmlns:a16="http://schemas.microsoft.com/office/drawing/2014/main" val="1390330639"/>
+                  </a:ext>
+                </a:extLst>
+              </a:tr>
+              <a:tr h="418359">
+                <a:tc>
+                  <a:txBody>
+                    <a:bodyPr/>
+                    <a:lstStyle/>
+                    <a:p>
+                      <a:pPr algn="l" fontAlgn="base" latinLnBrk="1">
+                        <a:lnSpc>
+                          <a:spcPct val="200000"/>
+                        </a:lnSpc>
+                        <a:spcAft>
+                          <a:spcPts val="0"/>
+                        </a:spcAft>
+                      </a:pPr>
+                      <a:r>
+                        <a:rPr lang="en-US" sz="1100" kern="0" spc="40">
+                          <a:effectLst/>
+                        </a:rPr>
+                        <a:t>Joby S4</a:t>
+                      </a:r>
+                      <a:endParaRPr lang="zh-CN" sz="900" kern="100">
+                        <a:effectLst/>
+                        <a:latin typeface="等线" panose="02010600030101010101" pitchFamily="2" charset="-122"/>
+                        <a:ea typeface="等线" panose="02010600030101010101" pitchFamily="2" charset="-122"/>
+                        <a:cs typeface="Times New Roman" panose="02020603050405020304" pitchFamily="18" charset="0"/>
+                      </a:endParaRPr>
+                    </a:p>
+                  </a:txBody>
+                  <a:tcPr marL="81052" marR="81052" marT="40526" marB="40526" anchor="b"/>
+                </a:tc>
+                <a:tc>
+                  <a:txBody>
+                    <a:bodyPr/>
+                    <a:lstStyle/>
+                    <a:p>
+                      <a:pPr algn="l" fontAlgn="base" latinLnBrk="1">
+                        <a:lnSpc>
+                          <a:spcPct val="200000"/>
+                        </a:lnSpc>
+                        <a:spcAft>
+                          <a:spcPts val="0"/>
+                        </a:spcAft>
+                      </a:pPr>
+                      <a:r>
+                        <a:rPr lang="zh-CN" sz="1100" kern="0" spc="40">
+                          <a:effectLst/>
+                        </a:rPr>
+                        <a:t>倾转旋翼</a:t>
+                      </a:r>
+                      <a:endParaRPr lang="zh-CN" sz="900" kern="100">
+                        <a:effectLst/>
+                        <a:latin typeface="等线" panose="02010600030101010101" pitchFamily="2" charset="-122"/>
+                        <a:ea typeface="等线" panose="02010600030101010101" pitchFamily="2" charset="-122"/>
+                        <a:cs typeface="Times New Roman" panose="02020603050405020304" pitchFamily="18" charset="0"/>
+                      </a:endParaRPr>
+                    </a:p>
+                  </a:txBody>
+                  <a:tcPr marL="81052" marR="81052" marT="40526" marB="40526" anchor="b"/>
+                </a:tc>
+                <a:tc>
+                  <a:txBody>
+                    <a:bodyPr/>
+                    <a:lstStyle/>
+                    <a:p>
+                      <a:pPr algn="l" fontAlgn="base" latinLnBrk="1">
+                        <a:lnSpc>
+                          <a:spcPct val="200000"/>
+                        </a:lnSpc>
+                        <a:spcAft>
+                          <a:spcPts val="0"/>
+                        </a:spcAft>
+                      </a:pPr>
+                      <a:r>
+                        <a:rPr lang="en-US" sz="1100" kern="0" spc="40" dirty="0">
+                          <a:effectLst/>
+                        </a:rPr>
+                        <a:t>241</a:t>
+                      </a:r>
+                      <a:r>
+                        <a:rPr lang="zh-CN" sz="1100" kern="0" spc="40" dirty="0">
+                          <a:effectLst/>
+                        </a:rPr>
+                        <a:t>公里</a:t>
+                      </a:r>
+                      <a:endParaRPr lang="zh-CN" sz="900" kern="100" dirty="0">
+                        <a:effectLst/>
+                        <a:latin typeface="等线" panose="02010600030101010101" pitchFamily="2" charset="-122"/>
+                        <a:ea typeface="等线" panose="02010600030101010101" pitchFamily="2" charset="-122"/>
+                        <a:cs typeface="Times New Roman" panose="02020603050405020304" pitchFamily="18" charset="0"/>
+                      </a:endParaRPr>
+                    </a:p>
+                  </a:txBody>
+                  <a:tcPr marL="81052" marR="81052" marT="40526" marB="40526" anchor="b"/>
+                </a:tc>
+                <a:tc>
+                  <a:txBody>
+                    <a:bodyPr/>
+                    <a:lstStyle/>
+                    <a:p>
+                      <a:pPr algn="ctr" fontAlgn="base" latinLnBrk="1">
+                        <a:lnSpc>
+                          <a:spcPct val="200000"/>
+                        </a:lnSpc>
+                        <a:spcAft>
+                          <a:spcPts val="0"/>
+                        </a:spcAft>
+                      </a:pPr>
+                      <a:r>
+                        <a:rPr lang="en-US" sz="1000" kern="0">
+                          <a:effectLst/>
+                        </a:rPr>
+                        <a:t>320</a:t>
+                      </a:r>
+                      <a:r>
+                        <a:rPr lang="zh-CN" sz="1000" kern="0">
+                          <a:effectLst/>
+                        </a:rPr>
+                        <a:t>公里每小时</a:t>
+                      </a:r>
+                      <a:endParaRPr lang="zh-CN" sz="900" kern="100">
+                        <a:effectLst/>
+                        <a:latin typeface="等线" panose="02010600030101010101" pitchFamily="2" charset="-122"/>
+                        <a:ea typeface="等线" panose="02010600030101010101" pitchFamily="2" charset="-122"/>
+                        <a:cs typeface="Times New Roman" panose="02020603050405020304" pitchFamily="18" charset="0"/>
+                      </a:endParaRPr>
+                    </a:p>
+                  </a:txBody>
+                  <a:tcPr marL="0" marR="0" marT="0" marB="0"/>
+                </a:tc>
+                <a:extLst>
+                  <a:ext uri="{0D108BD9-81ED-4DB2-BD59-A6C34878D82A}">
+                    <a16:rowId xmlns:a16="http://schemas.microsoft.com/office/drawing/2014/main" val="2468346943"/>
+                  </a:ext>
+                </a:extLst>
+              </a:tr>
+              <a:tr h="418359">
+                <a:tc>
+                  <a:txBody>
+                    <a:bodyPr/>
+                    <a:lstStyle/>
+                    <a:p>
+                      <a:pPr algn="l" fontAlgn="base" latinLnBrk="1">
+                        <a:lnSpc>
+                          <a:spcPct val="200000"/>
+                        </a:lnSpc>
+                        <a:spcAft>
+                          <a:spcPts val="0"/>
+                        </a:spcAft>
+                      </a:pPr>
+                      <a:r>
+                        <a:rPr lang="en-US" sz="1100" kern="0" spc="40">
+                          <a:effectLst/>
+                        </a:rPr>
+                        <a:t>Lilium Jet</a:t>
+                      </a:r>
+                      <a:endParaRPr lang="zh-CN" sz="900" kern="100">
+                        <a:effectLst/>
+                        <a:latin typeface="等线" panose="02010600030101010101" pitchFamily="2" charset="-122"/>
+                        <a:ea typeface="等线" panose="02010600030101010101" pitchFamily="2" charset="-122"/>
+                        <a:cs typeface="Times New Roman" panose="02020603050405020304" pitchFamily="18" charset="0"/>
+                      </a:endParaRPr>
+                    </a:p>
+                  </a:txBody>
+                  <a:tcPr marL="81052" marR="81052" marT="40526" marB="40526" anchor="b"/>
+                </a:tc>
+                <a:tc>
+                  <a:txBody>
+                    <a:bodyPr/>
+                    <a:lstStyle/>
+                    <a:p>
+                      <a:pPr algn="l" fontAlgn="base" latinLnBrk="1">
+                        <a:lnSpc>
+                          <a:spcPct val="200000"/>
+                        </a:lnSpc>
+                        <a:spcAft>
+                          <a:spcPts val="0"/>
+                        </a:spcAft>
+                      </a:pPr>
+                      <a:r>
+                        <a:rPr lang="zh-CN" sz="1100" kern="0" spc="40">
+                          <a:effectLst/>
+                        </a:rPr>
+                        <a:t>倾转涵道</a:t>
+                      </a:r>
+                      <a:endParaRPr lang="zh-CN" sz="900" kern="100">
+                        <a:effectLst/>
+                        <a:latin typeface="等线" panose="02010600030101010101" pitchFamily="2" charset="-122"/>
+                        <a:ea typeface="等线" panose="02010600030101010101" pitchFamily="2" charset="-122"/>
+                        <a:cs typeface="Times New Roman" panose="02020603050405020304" pitchFamily="18" charset="0"/>
+                      </a:endParaRPr>
+                    </a:p>
+                  </a:txBody>
+                  <a:tcPr marL="81052" marR="81052" marT="40526" marB="40526" anchor="b"/>
+                </a:tc>
+                <a:tc>
+                  <a:txBody>
+                    <a:bodyPr/>
+                    <a:lstStyle/>
+                    <a:p>
+                      <a:pPr algn="l" fontAlgn="base" latinLnBrk="1">
+                        <a:lnSpc>
+                          <a:spcPct val="200000"/>
+                        </a:lnSpc>
+                        <a:spcAft>
+                          <a:spcPts val="0"/>
+                        </a:spcAft>
+                      </a:pPr>
+                      <a:r>
+                        <a:rPr lang="en-US" sz="1100" kern="0" spc="40">
+                          <a:effectLst/>
+                        </a:rPr>
+                        <a:t>250</a:t>
+                      </a:r>
+                      <a:r>
+                        <a:rPr lang="zh-CN" sz="1100" kern="0" spc="40">
+                          <a:effectLst/>
+                        </a:rPr>
+                        <a:t>公里</a:t>
+                      </a:r>
+                      <a:endParaRPr lang="zh-CN" sz="900" kern="100">
+                        <a:effectLst/>
+                        <a:latin typeface="等线" panose="02010600030101010101" pitchFamily="2" charset="-122"/>
+                        <a:ea typeface="等线" panose="02010600030101010101" pitchFamily="2" charset="-122"/>
+                        <a:cs typeface="Times New Roman" panose="02020603050405020304" pitchFamily="18" charset="0"/>
+                      </a:endParaRPr>
+                    </a:p>
+                  </a:txBody>
+                  <a:tcPr marL="81052" marR="81052" marT="40526" marB="40526" anchor="b"/>
+                </a:tc>
+                <a:tc>
+                  <a:txBody>
+                    <a:bodyPr/>
+                    <a:lstStyle/>
+                    <a:p>
+                      <a:pPr algn="ctr" fontAlgn="base" latinLnBrk="1">
+                        <a:lnSpc>
+                          <a:spcPct val="200000"/>
+                        </a:lnSpc>
+                        <a:spcAft>
+                          <a:spcPts val="0"/>
+                        </a:spcAft>
+                      </a:pPr>
+                      <a:r>
+                        <a:rPr lang="en-US" sz="1000" kern="0">
+                          <a:effectLst/>
+                        </a:rPr>
+                        <a:t>282</a:t>
+                      </a:r>
+                      <a:r>
+                        <a:rPr lang="zh-CN" sz="1000" kern="0">
+                          <a:effectLst/>
+                        </a:rPr>
+                        <a:t>公里每小时</a:t>
+                      </a:r>
+                      <a:endParaRPr lang="zh-CN" sz="900" kern="100">
+                        <a:effectLst/>
+                        <a:latin typeface="等线" panose="02010600030101010101" pitchFamily="2" charset="-122"/>
+                        <a:ea typeface="等线" panose="02010600030101010101" pitchFamily="2" charset="-122"/>
+                        <a:cs typeface="Times New Roman" panose="02020603050405020304" pitchFamily="18" charset="0"/>
+                      </a:endParaRPr>
+                    </a:p>
+                  </a:txBody>
+                  <a:tcPr marL="0" marR="0" marT="0" marB="0"/>
+                </a:tc>
+                <a:extLst>
+                  <a:ext uri="{0D108BD9-81ED-4DB2-BD59-A6C34878D82A}">
+                    <a16:rowId xmlns:a16="http://schemas.microsoft.com/office/drawing/2014/main" val="4142368844"/>
+                  </a:ext>
+                </a:extLst>
+              </a:tr>
+              <a:tr h="418359">
+                <a:tc>
+                  <a:txBody>
+                    <a:bodyPr/>
+                    <a:lstStyle/>
+                    <a:p>
+                      <a:pPr algn="l" fontAlgn="base" latinLnBrk="1">
+                        <a:lnSpc>
+                          <a:spcPct val="200000"/>
+                        </a:lnSpc>
+                        <a:spcAft>
+                          <a:spcPts val="0"/>
+                        </a:spcAft>
+                      </a:pPr>
+                      <a:r>
+                        <a:rPr lang="en-US" sz="1100" kern="0" spc="40">
+                          <a:effectLst/>
+                        </a:rPr>
+                        <a:t>Beta Alia-250</a:t>
+                      </a:r>
+                      <a:endParaRPr lang="zh-CN" sz="900" kern="100">
+                        <a:effectLst/>
+                        <a:latin typeface="等线" panose="02010600030101010101" pitchFamily="2" charset="-122"/>
+                        <a:ea typeface="等线" panose="02010600030101010101" pitchFamily="2" charset="-122"/>
+                        <a:cs typeface="Times New Roman" panose="02020603050405020304" pitchFamily="18" charset="0"/>
+                      </a:endParaRPr>
+                    </a:p>
+                  </a:txBody>
+                  <a:tcPr marL="81052" marR="81052" marT="40526" marB="40526" anchor="b"/>
+                </a:tc>
+                <a:tc>
+                  <a:txBody>
+                    <a:bodyPr/>
+                    <a:lstStyle/>
+                    <a:p>
+                      <a:pPr algn="l" fontAlgn="base" latinLnBrk="1">
+                        <a:lnSpc>
+                          <a:spcPct val="200000"/>
+                        </a:lnSpc>
+                        <a:spcAft>
+                          <a:spcPts val="0"/>
+                        </a:spcAft>
+                      </a:pPr>
+                      <a:r>
+                        <a:rPr lang="zh-CN" sz="1100" kern="0" spc="40">
+                          <a:effectLst/>
+                        </a:rPr>
+                        <a:t>垂起</a:t>
+                      </a:r>
+                      <a:r>
+                        <a:rPr lang="en-US" sz="1100" kern="0" spc="40">
+                          <a:effectLst/>
+                        </a:rPr>
+                        <a:t>+</a:t>
+                      </a:r>
+                      <a:r>
+                        <a:rPr lang="zh-CN" sz="1100" kern="0" spc="40">
+                          <a:effectLst/>
+                        </a:rPr>
+                        <a:t>巡航</a:t>
+                      </a:r>
+                      <a:endParaRPr lang="zh-CN" sz="900" kern="100">
+                        <a:effectLst/>
+                        <a:latin typeface="等线" panose="02010600030101010101" pitchFamily="2" charset="-122"/>
+                        <a:ea typeface="等线" panose="02010600030101010101" pitchFamily="2" charset="-122"/>
+                        <a:cs typeface="Times New Roman" panose="02020603050405020304" pitchFamily="18" charset="0"/>
+                      </a:endParaRPr>
+                    </a:p>
+                  </a:txBody>
+                  <a:tcPr marL="81052" marR="81052" marT="40526" marB="40526" anchor="b"/>
+                </a:tc>
+                <a:tc>
+                  <a:txBody>
+                    <a:bodyPr/>
+                    <a:lstStyle/>
+                    <a:p>
+                      <a:pPr algn="l" fontAlgn="base" latinLnBrk="1">
+                        <a:lnSpc>
+                          <a:spcPct val="200000"/>
+                        </a:lnSpc>
+                        <a:spcAft>
+                          <a:spcPts val="0"/>
+                        </a:spcAft>
+                      </a:pPr>
+                      <a:r>
+                        <a:rPr lang="en-US" sz="1100" kern="0" spc="40">
+                          <a:effectLst/>
+                        </a:rPr>
+                        <a:t>463</a:t>
+                      </a:r>
+                      <a:r>
+                        <a:rPr lang="zh-CN" sz="1100" kern="0" spc="40">
+                          <a:effectLst/>
+                        </a:rPr>
+                        <a:t>公里</a:t>
+                      </a:r>
+                      <a:endParaRPr lang="zh-CN" sz="900" kern="100">
+                        <a:effectLst/>
+                        <a:latin typeface="等线" panose="02010600030101010101" pitchFamily="2" charset="-122"/>
+                        <a:ea typeface="等线" panose="02010600030101010101" pitchFamily="2" charset="-122"/>
+                        <a:cs typeface="Times New Roman" panose="02020603050405020304" pitchFamily="18" charset="0"/>
+                      </a:endParaRPr>
+                    </a:p>
+                  </a:txBody>
+                  <a:tcPr marL="81052" marR="81052" marT="40526" marB="40526" anchor="b"/>
+                </a:tc>
+                <a:tc>
+                  <a:txBody>
+                    <a:bodyPr/>
+                    <a:lstStyle/>
+                    <a:p>
+                      <a:pPr algn="ctr" fontAlgn="base" latinLnBrk="1">
+                        <a:lnSpc>
+                          <a:spcPct val="200000"/>
+                        </a:lnSpc>
+                        <a:spcAft>
+                          <a:spcPts val="0"/>
+                        </a:spcAft>
+                      </a:pPr>
+                      <a:r>
+                        <a:rPr lang="en-US" sz="1100" kern="0" spc="40">
+                          <a:effectLst/>
+                        </a:rPr>
+                        <a:t>130</a:t>
+                      </a:r>
+                      <a:r>
+                        <a:rPr lang="zh-CN" sz="1000" kern="0">
+                          <a:effectLst/>
+                        </a:rPr>
+                        <a:t>公里每小时</a:t>
+                      </a:r>
+                      <a:endParaRPr lang="zh-CN" sz="900" kern="100">
+                        <a:effectLst/>
+                        <a:latin typeface="等线" panose="02010600030101010101" pitchFamily="2" charset="-122"/>
+                        <a:ea typeface="等线" panose="02010600030101010101" pitchFamily="2" charset="-122"/>
+                        <a:cs typeface="Times New Roman" panose="02020603050405020304" pitchFamily="18" charset="0"/>
+                      </a:endParaRPr>
+                    </a:p>
+                  </a:txBody>
+                  <a:tcPr marL="0" marR="0" marT="0" marB="0"/>
+                </a:tc>
+                <a:extLst>
+                  <a:ext uri="{0D108BD9-81ED-4DB2-BD59-A6C34878D82A}">
+                    <a16:rowId xmlns:a16="http://schemas.microsoft.com/office/drawing/2014/main" val="3565196369"/>
+                  </a:ext>
+                </a:extLst>
+              </a:tr>
+              <a:tr h="418359">
+                <a:tc>
+                  <a:txBody>
+                    <a:bodyPr/>
+                    <a:lstStyle/>
+                    <a:p>
+                      <a:pPr algn="l" fontAlgn="base" latinLnBrk="1">
+                        <a:lnSpc>
+                          <a:spcPct val="200000"/>
+                        </a:lnSpc>
+                        <a:spcAft>
+                          <a:spcPts val="0"/>
+                        </a:spcAft>
+                      </a:pPr>
+                      <a:r>
+                        <a:rPr lang="en-US" sz="1100" kern="0" spc="40">
+                          <a:effectLst/>
+                        </a:rPr>
+                        <a:t>Archer Maker</a:t>
+                      </a:r>
+                      <a:endParaRPr lang="zh-CN" sz="900" kern="100">
+                        <a:effectLst/>
+                        <a:latin typeface="等线" panose="02010600030101010101" pitchFamily="2" charset="-122"/>
+                        <a:ea typeface="等线" panose="02010600030101010101" pitchFamily="2" charset="-122"/>
+                        <a:cs typeface="Times New Roman" panose="02020603050405020304" pitchFamily="18" charset="0"/>
+                      </a:endParaRPr>
+                    </a:p>
+                  </a:txBody>
+                  <a:tcPr marL="81052" marR="81052" marT="40526" marB="40526" anchor="b"/>
+                </a:tc>
+                <a:tc>
+                  <a:txBody>
+                    <a:bodyPr/>
+                    <a:lstStyle/>
+                    <a:p>
+                      <a:pPr algn="l" fontAlgn="base" latinLnBrk="1">
+                        <a:lnSpc>
+                          <a:spcPct val="200000"/>
+                        </a:lnSpc>
+                        <a:spcAft>
+                          <a:spcPts val="0"/>
+                        </a:spcAft>
+                      </a:pPr>
+                      <a:r>
+                        <a:rPr lang="zh-CN" sz="1100" kern="0" spc="40">
+                          <a:effectLst/>
+                        </a:rPr>
+                        <a:t>垂起</a:t>
+                      </a:r>
+                      <a:r>
+                        <a:rPr lang="en-US" sz="1100" kern="0" spc="40">
+                          <a:effectLst/>
+                        </a:rPr>
+                        <a:t>+</a:t>
+                      </a:r>
+                      <a:r>
+                        <a:rPr lang="zh-CN" sz="1100" kern="0" spc="40">
+                          <a:effectLst/>
+                        </a:rPr>
+                        <a:t>巡航</a:t>
+                      </a:r>
+                      <a:r>
+                        <a:rPr lang="en-US" sz="1100" kern="0" spc="40">
+                          <a:effectLst/>
+                        </a:rPr>
+                        <a:t>/</a:t>
+                      </a:r>
+                      <a:r>
+                        <a:rPr lang="zh-CN" sz="1100" kern="0" spc="40">
+                          <a:effectLst/>
+                        </a:rPr>
+                        <a:t>倾转</a:t>
+                      </a:r>
+                      <a:endParaRPr lang="zh-CN" sz="900" kern="100">
+                        <a:effectLst/>
+                        <a:latin typeface="等线" panose="02010600030101010101" pitchFamily="2" charset="-122"/>
+                        <a:ea typeface="等线" panose="02010600030101010101" pitchFamily="2" charset="-122"/>
+                        <a:cs typeface="Times New Roman" panose="02020603050405020304" pitchFamily="18" charset="0"/>
+                      </a:endParaRPr>
+                    </a:p>
+                  </a:txBody>
+                  <a:tcPr marL="81052" marR="81052" marT="40526" marB="40526" anchor="b"/>
+                </a:tc>
+                <a:tc>
+                  <a:txBody>
+                    <a:bodyPr/>
+                    <a:lstStyle/>
+                    <a:p>
+                      <a:pPr algn="l" fontAlgn="base" latinLnBrk="1">
+                        <a:lnSpc>
+                          <a:spcPct val="200000"/>
+                        </a:lnSpc>
+                        <a:spcAft>
+                          <a:spcPts val="0"/>
+                        </a:spcAft>
+                      </a:pPr>
+                      <a:r>
+                        <a:rPr lang="en-US" sz="1100" kern="0" spc="40">
+                          <a:effectLst/>
+                        </a:rPr>
+                        <a:t>100</a:t>
+                      </a:r>
+                      <a:r>
+                        <a:rPr lang="zh-CN" sz="1100" kern="0" spc="40">
+                          <a:effectLst/>
+                        </a:rPr>
+                        <a:t>公里</a:t>
+                      </a:r>
+                      <a:endParaRPr lang="zh-CN" sz="900" kern="100">
+                        <a:effectLst/>
+                        <a:latin typeface="等线" panose="02010600030101010101" pitchFamily="2" charset="-122"/>
+                        <a:ea typeface="等线" panose="02010600030101010101" pitchFamily="2" charset="-122"/>
+                        <a:cs typeface="Times New Roman" panose="02020603050405020304" pitchFamily="18" charset="0"/>
+                      </a:endParaRPr>
+                    </a:p>
+                  </a:txBody>
+                  <a:tcPr marL="81052" marR="81052" marT="40526" marB="40526" anchor="b"/>
+                </a:tc>
+                <a:tc>
+                  <a:txBody>
+                    <a:bodyPr/>
+                    <a:lstStyle/>
+                    <a:p>
+                      <a:pPr algn="ctr" fontAlgn="base" latinLnBrk="1">
+                        <a:lnSpc>
+                          <a:spcPct val="200000"/>
+                        </a:lnSpc>
+                        <a:spcAft>
+                          <a:spcPts val="0"/>
+                        </a:spcAft>
+                      </a:pPr>
+                      <a:r>
+                        <a:rPr lang="en-US" sz="1100" kern="0" spc="40">
+                          <a:effectLst/>
+                        </a:rPr>
+                        <a:t>240</a:t>
+                      </a:r>
+                      <a:r>
+                        <a:rPr lang="zh-CN" sz="1000" kern="0">
+                          <a:effectLst/>
+                        </a:rPr>
+                        <a:t>公里每小时</a:t>
+                      </a:r>
+                      <a:endParaRPr lang="zh-CN" sz="900" kern="100">
+                        <a:effectLst/>
+                        <a:latin typeface="等线" panose="02010600030101010101" pitchFamily="2" charset="-122"/>
+                        <a:ea typeface="等线" panose="02010600030101010101" pitchFamily="2" charset="-122"/>
+                        <a:cs typeface="Times New Roman" panose="02020603050405020304" pitchFamily="18" charset="0"/>
+                      </a:endParaRPr>
+                    </a:p>
+                  </a:txBody>
+                  <a:tcPr marL="0" marR="0" marT="0" marB="0"/>
+                </a:tc>
+                <a:extLst>
+                  <a:ext uri="{0D108BD9-81ED-4DB2-BD59-A6C34878D82A}">
+                    <a16:rowId xmlns:a16="http://schemas.microsoft.com/office/drawing/2014/main" val="1295773376"/>
+                  </a:ext>
+                </a:extLst>
+              </a:tr>
+              <a:tr h="418359">
+                <a:tc>
+                  <a:txBody>
+                    <a:bodyPr/>
+                    <a:lstStyle/>
+                    <a:p>
+                      <a:pPr algn="l" fontAlgn="base" latinLnBrk="1">
+                        <a:lnSpc>
+                          <a:spcPct val="200000"/>
+                        </a:lnSpc>
+                        <a:spcAft>
+                          <a:spcPts val="0"/>
+                        </a:spcAft>
+                      </a:pPr>
+                      <a:r>
+                        <a:rPr lang="en-US" sz="1100" kern="0" spc="40">
+                          <a:effectLst/>
+                        </a:rPr>
+                        <a:t>Nexus 4EX</a:t>
+                      </a:r>
+                      <a:endParaRPr lang="zh-CN" sz="900" kern="100">
+                        <a:effectLst/>
+                        <a:latin typeface="等线" panose="02010600030101010101" pitchFamily="2" charset="-122"/>
+                        <a:ea typeface="等线" panose="02010600030101010101" pitchFamily="2" charset="-122"/>
+                        <a:cs typeface="Times New Roman" panose="02020603050405020304" pitchFamily="18" charset="0"/>
+                      </a:endParaRPr>
+                    </a:p>
+                  </a:txBody>
+                  <a:tcPr marL="81052" marR="81052" marT="40526" marB="40526" anchor="b"/>
+                </a:tc>
+                <a:tc>
+                  <a:txBody>
+                    <a:bodyPr/>
+                    <a:lstStyle/>
+                    <a:p>
+                      <a:pPr algn="l" fontAlgn="base" latinLnBrk="1">
+                        <a:lnSpc>
+                          <a:spcPct val="200000"/>
+                        </a:lnSpc>
+                        <a:spcAft>
+                          <a:spcPts val="0"/>
+                        </a:spcAft>
+                      </a:pPr>
+                      <a:r>
+                        <a:rPr lang="en-US" sz="1100" kern="0" spc="40">
+                          <a:effectLst/>
+                        </a:rPr>
+                        <a:t> </a:t>
+                      </a:r>
+                      <a:endParaRPr lang="zh-CN" sz="900" kern="100">
+                        <a:effectLst/>
+                        <a:latin typeface="等线" panose="02010600030101010101" pitchFamily="2" charset="-122"/>
+                        <a:ea typeface="等线" panose="02010600030101010101" pitchFamily="2" charset="-122"/>
+                        <a:cs typeface="Times New Roman" panose="02020603050405020304" pitchFamily="18" charset="0"/>
+                      </a:endParaRPr>
+                    </a:p>
+                  </a:txBody>
+                  <a:tcPr marL="81052" marR="81052" marT="40526" marB="40526" anchor="b"/>
+                </a:tc>
+                <a:tc>
+                  <a:txBody>
+                    <a:bodyPr/>
+                    <a:lstStyle/>
+                    <a:p>
+                      <a:pPr algn="l" fontAlgn="base" latinLnBrk="1">
+                        <a:lnSpc>
+                          <a:spcPct val="200000"/>
+                        </a:lnSpc>
+                        <a:spcAft>
+                          <a:spcPts val="0"/>
+                        </a:spcAft>
+                      </a:pPr>
+                      <a:r>
+                        <a:rPr lang="en-US" sz="1100" kern="0" spc="40">
+                          <a:effectLst/>
+                        </a:rPr>
+                        <a:t>95</a:t>
+                      </a:r>
+                      <a:r>
+                        <a:rPr lang="zh-CN" sz="1100" kern="0" spc="40">
+                          <a:effectLst/>
+                        </a:rPr>
+                        <a:t>公里</a:t>
+                      </a:r>
+                      <a:endParaRPr lang="zh-CN" sz="900" kern="100">
+                        <a:effectLst/>
+                        <a:latin typeface="等线" panose="02010600030101010101" pitchFamily="2" charset="-122"/>
+                        <a:ea typeface="等线" panose="02010600030101010101" pitchFamily="2" charset="-122"/>
+                        <a:cs typeface="Times New Roman" panose="02020603050405020304" pitchFamily="18" charset="0"/>
+                      </a:endParaRPr>
+                    </a:p>
+                  </a:txBody>
+                  <a:tcPr marL="81052" marR="81052" marT="40526" marB="40526" anchor="b"/>
+                </a:tc>
+                <a:tc>
+                  <a:txBody>
+                    <a:bodyPr/>
+                    <a:lstStyle/>
+                    <a:p>
+                      <a:pPr algn="ctr" fontAlgn="base" latinLnBrk="1">
+                        <a:lnSpc>
+                          <a:spcPct val="200000"/>
+                        </a:lnSpc>
+                        <a:spcAft>
+                          <a:spcPts val="0"/>
+                        </a:spcAft>
+                      </a:pPr>
+                      <a:r>
+                        <a:rPr lang="en-US" sz="1100" kern="0" spc="40">
+                          <a:effectLst/>
+                        </a:rPr>
+                        <a:t>240</a:t>
+                      </a:r>
+                      <a:r>
+                        <a:rPr lang="zh-CN" sz="1100" kern="0" spc="40">
+                          <a:effectLst/>
+                        </a:rPr>
+                        <a:t>公里每小时</a:t>
+                      </a:r>
+                      <a:endParaRPr lang="zh-CN" sz="900" kern="100">
+                        <a:effectLst/>
+                        <a:latin typeface="等线" panose="02010600030101010101" pitchFamily="2" charset="-122"/>
+                        <a:ea typeface="等线" panose="02010600030101010101" pitchFamily="2" charset="-122"/>
+                        <a:cs typeface="Times New Roman" panose="02020603050405020304" pitchFamily="18" charset="0"/>
+                      </a:endParaRPr>
+                    </a:p>
+                  </a:txBody>
+                  <a:tcPr marL="0" marR="0" marT="0" marB="0"/>
+                </a:tc>
+                <a:extLst>
+                  <a:ext uri="{0D108BD9-81ED-4DB2-BD59-A6C34878D82A}">
+                    <a16:rowId xmlns:a16="http://schemas.microsoft.com/office/drawing/2014/main" val="3243975409"/>
+                  </a:ext>
+                </a:extLst>
+              </a:tr>
+              <a:tr h="418359">
+                <a:tc>
+                  <a:txBody>
+                    <a:bodyPr/>
+                    <a:lstStyle/>
+                    <a:p>
+                      <a:pPr algn="l" fontAlgn="base" latinLnBrk="1">
+                        <a:lnSpc>
+                          <a:spcPct val="200000"/>
+                        </a:lnSpc>
+                        <a:spcAft>
+                          <a:spcPts val="0"/>
+                        </a:spcAft>
+                      </a:pPr>
+                      <a:r>
+                        <a:rPr lang="zh-CN" sz="900" kern="100">
+                          <a:effectLst/>
+                        </a:rPr>
+                        <a:t>亿航</a:t>
+                      </a:r>
+                      <a:r>
+                        <a:rPr lang="en-US" sz="900" kern="100">
+                          <a:effectLst/>
+                        </a:rPr>
+                        <a:t>216</a:t>
+                      </a:r>
+                      <a:endParaRPr lang="zh-CN" sz="900" kern="100">
+                        <a:effectLst/>
+                        <a:latin typeface="等线" panose="02010600030101010101" pitchFamily="2" charset="-122"/>
+                        <a:ea typeface="等线" panose="02010600030101010101" pitchFamily="2" charset="-122"/>
+                        <a:cs typeface="Times New Roman" panose="02020603050405020304" pitchFamily="18" charset="0"/>
+                      </a:endParaRPr>
+                    </a:p>
+                  </a:txBody>
+                  <a:tcPr marL="81052" marR="81052" marT="40526" marB="40526" anchor="b"/>
+                </a:tc>
+                <a:tc>
+                  <a:txBody>
+                    <a:bodyPr/>
+                    <a:lstStyle/>
+                    <a:p>
+                      <a:pPr algn="l" fontAlgn="base" latinLnBrk="1">
+                        <a:lnSpc>
+                          <a:spcPct val="200000"/>
+                        </a:lnSpc>
+                        <a:spcAft>
+                          <a:spcPts val="0"/>
+                        </a:spcAft>
+                      </a:pPr>
+                      <a:r>
+                        <a:rPr lang="zh-CN" sz="1100" kern="0" spc="40">
+                          <a:effectLst/>
+                        </a:rPr>
+                        <a:t>多旋翼</a:t>
+                      </a:r>
+                      <a:endParaRPr lang="zh-CN" sz="900" kern="100">
+                        <a:effectLst/>
+                        <a:latin typeface="等线" panose="02010600030101010101" pitchFamily="2" charset="-122"/>
+                        <a:ea typeface="等线" panose="02010600030101010101" pitchFamily="2" charset="-122"/>
+                        <a:cs typeface="Times New Roman" panose="02020603050405020304" pitchFamily="18" charset="0"/>
+                      </a:endParaRPr>
+                    </a:p>
+                  </a:txBody>
+                  <a:tcPr marL="81052" marR="81052" marT="40526" marB="40526" anchor="b"/>
+                </a:tc>
+                <a:tc>
+                  <a:txBody>
+                    <a:bodyPr/>
+                    <a:lstStyle/>
+                    <a:p>
+                      <a:pPr algn="l" fontAlgn="base" latinLnBrk="1">
+                        <a:lnSpc>
+                          <a:spcPct val="200000"/>
+                        </a:lnSpc>
+                        <a:spcAft>
+                          <a:spcPts val="0"/>
+                        </a:spcAft>
+                      </a:pPr>
+                      <a:r>
+                        <a:rPr lang="en-US" sz="1100" kern="0" spc="40">
+                          <a:effectLst/>
+                        </a:rPr>
+                        <a:t>35</a:t>
+                      </a:r>
+                      <a:r>
+                        <a:rPr lang="zh-CN" sz="1100" kern="0" spc="40">
+                          <a:effectLst/>
+                        </a:rPr>
+                        <a:t>公里</a:t>
+                      </a:r>
+                      <a:endParaRPr lang="zh-CN" sz="900" kern="100">
+                        <a:effectLst/>
+                        <a:latin typeface="等线" panose="02010600030101010101" pitchFamily="2" charset="-122"/>
+                        <a:ea typeface="等线" panose="02010600030101010101" pitchFamily="2" charset="-122"/>
+                        <a:cs typeface="Times New Roman" panose="02020603050405020304" pitchFamily="18" charset="0"/>
+                      </a:endParaRPr>
+                    </a:p>
+                  </a:txBody>
+                  <a:tcPr marL="81052" marR="81052" marT="40526" marB="40526" anchor="b"/>
+                </a:tc>
+                <a:tc>
+                  <a:txBody>
+                    <a:bodyPr/>
+                    <a:lstStyle/>
+                    <a:p>
+                      <a:pPr algn="ctr" fontAlgn="base" latinLnBrk="1">
+                        <a:lnSpc>
+                          <a:spcPct val="200000"/>
+                        </a:lnSpc>
+                        <a:spcAft>
+                          <a:spcPts val="0"/>
+                        </a:spcAft>
+                      </a:pPr>
+                      <a:r>
+                        <a:rPr lang="en-US" sz="1100" kern="0" spc="40" dirty="0">
+                          <a:effectLst/>
+                        </a:rPr>
+                        <a:t>130</a:t>
+                      </a:r>
+                      <a:r>
+                        <a:rPr lang="zh-CN" sz="1100" kern="0" spc="40" dirty="0">
+                          <a:effectLst/>
+                        </a:rPr>
+                        <a:t>公里每小时</a:t>
+                      </a:r>
+                      <a:endParaRPr lang="zh-CN" sz="900" kern="100" dirty="0">
+                        <a:effectLst/>
+                        <a:latin typeface="等线" panose="02010600030101010101" pitchFamily="2" charset="-122"/>
+                        <a:ea typeface="等线" panose="02010600030101010101" pitchFamily="2" charset="-122"/>
+                        <a:cs typeface="Times New Roman" panose="02020603050405020304" pitchFamily="18" charset="0"/>
+                      </a:endParaRPr>
+                    </a:p>
+                  </a:txBody>
+                  <a:tcPr marL="0" marR="0" marT="0" marB="0"/>
+                </a:tc>
+                <a:extLst>
+                  <a:ext uri="{0D108BD9-81ED-4DB2-BD59-A6C34878D82A}">
+                    <a16:rowId xmlns:a16="http://schemas.microsoft.com/office/drawing/2014/main" val="874941475"/>
+                  </a:ext>
+                </a:extLst>
+              </a:tr>
+            </a:tbl>
+          </a:graphicData>
+        </a:graphic>
+      </p:graphicFrame>
+      <p:pic>
+        <p:nvPicPr>
+          <p:cNvPr id="8" name="图片 7">
+            <a:extLst>
+              <a:ext uri="{FF2B5EF4-FFF2-40B4-BE49-F238E27FC236}">
+                <a16:creationId xmlns:a16="http://schemas.microsoft.com/office/drawing/2014/main" id="{2C5E88AA-6C42-4EE8-833A-1E6EF880465C}"/>
+              </a:ext>
+            </a:extLst>
+          </p:cNvPr>
+          <p:cNvPicPr>
+            <a:picLocks noChangeAspect="1"/>
+          </p:cNvPicPr>
+          <p:nvPr/>
+        </p:nvPicPr>
+        <p:blipFill>
+          <a:blip r:embed="rId4"/>
+          <a:stretch>
+            <a:fillRect/>
+          </a:stretch>
+        </p:blipFill>
+        <p:spPr>
+          <a:xfrm>
+            <a:off x="631508" y="2820351"/>
+            <a:ext cx="3942766" cy="3765231"/>
+          </a:xfrm>
+          <a:prstGeom prst="rect">
+            <a:avLst/>
+          </a:prstGeom>
+        </p:spPr>
+      </p:pic>
+    </p:spTree>
+    <p:extLst>
+      <p:ext uri="{BB962C8B-B14F-4D97-AF65-F5344CB8AC3E}">
+        <p14:creationId xmlns:p14="http://schemas.microsoft.com/office/powerpoint/2010/main" val="4228918156"/>
+      </p:ext>
+    </p:extLst>
+  </p:cSld>
+  <p:clrMapOvr>
+    <a:masterClrMapping/>
+  </p:clrMapOvr>
+</p:sld>
+</file>
+
+<file path=ppt/slides/slide8.xml><?xml version="1.0" encoding="utf-8"?>
+<p:sld xmlns:a="http://schemas.openxmlformats.org/drawingml/2006/main" xmlns:r="http://schemas.openxmlformats.org/officeDocument/2006/relationships" xmlns:p="http://schemas.openxmlformats.org/presentationml/2006/main">
+  <p:cSld>
+    <p:spTree>
+      <p:nvGrpSpPr>
+        <p:cNvPr id="1" name=""/>
+        <p:cNvGrpSpPr/>
+        <p:nvPr/>
+      </p:nvGrpSpPr>
+      <p:grpSpPr>
+        <a:xfrm>
+          <a:off x="0" y="0"/>
+          <a:ext cx="0" cy="0"/>
+          <a:chOff x="0" y="0"/>
+          <a:chExt cx="0" cy="0"/>
+        </a:xfrm>
+      </p:grpSpPr>
+      <p:pic>
+        <p:nvPicPr>
+          <p:cNvPr id="4" name="图片 3">
+            <a:extLst>
+              <a:ext uri="{FF2B5EF4-FFF2-40B4-BE49-F238E27FC236}">
+                <a16:creationId xmlns:a16="http://schemas.microsoft.com/office/drawing/2014/main" id="{91D24916-ADBA-4083-BDFF-17E5F9BF1FD3}"/>
+              </a:ext>
+            </a:extLst>
+          </p:cNvPr>
+          <p:cNvPicPr>
+            <a:picLocks noChangeAspect="1"/>
+          </p:cNvPicPr>
+          <p:nvPr/>
+        </p:nvPicPr>
+        <p:blipFill>
+          <a:blip r:embed="rId2"/>
+          <a:stretch>
+            <a:fillRect/>
+          </a:stretch>
+        </p:blipFill>
+        <p:spPr>
+          <a:xfrm>
+            <a:off x="230505" y="0"/>
+            <a:ext cx="7410450" cy="4019550"/>
+          </a:xfrm>
+          <a:prstGeom prst="rect">
+            <a:avLst/>
+          </a:prstGeom>
+        </p:spPr>
+      </p:pic>
+    </p:spTree>
+    <p:extLst>
+      <p:ext uri="{BB962C8B-B14F-4D97-AF65-F5344CB8AC3E}">
+        <p14:creationId xmlns:p14="http://schemas.microsoft.com/office/powerpoint/2010/main" val="1822701756"/>
+      </p:ext>
+    </p:extLst>
+  </p:cSld>
+  <p:clrMapOvr>
+    <a:masterClrMapping/>
+  </p:clrMapOvr>
+</p:sld>
+</file>
+
+<file path=ppt/slides/slide9.xml><?xml version="1.0" encoding="utf-8"?>
+<p:sld xmlns:a="http://schemas.openxmlformats.org/drawingml/2006/main" xmlns:r="http://schemas.openxmlformats.org/officeDocument/2006/relationships" xmlns:p="http://schemas.openxmlformats.org/presentationml/2006/main">
+  <p:cSld>
+    <p:spTree>
+      <p:nvGrpSpPr>
+        <p:cNvPr id="1" name=""/>
+        <p:cNvGrpSpPr/>
+        <p:nvPr/>
+      </p:nvGrpSpPr>
+      <p:grpSpPr>
+        <a:xfrm>
+          <a:off x="0" y="0"/>
+          <a:ext cx="0" cy="0"/>
+          <a:chOff x="0" y="0"/>
+          <a:chExt cx="0" cy="0"/>
+        </a:xfrm>
+      </p:grpSpPr>
+      <p:pic>
+        <p:nvPicPr>
+          <p:cNvPr id="4" name="图片 3">
+            <a:extLst>
+              <a:ext uri="{FF2B5EF4-FFF2-40B4-BE49-F238E27FC236}">
+                <a16:creationId xmlns:a16="http://schemas.microsoft.com/office/drawing/2014/main" id="{B9AA7488-7C8F-42E1-AE44-472E68047EC3}"/>
+              </a:ext>
+            </a:extLst>
+          </p:cNvPr>
+          <p:cNvPicPr>
+            <a:picLocks noChangeAspect="1"/>
+          </p:cNvPicPr>
+          <p:nvPr/>
+        </p:nvPicPr>
+        <p:blipFill>
+          <a:blip r:embed="rId2"/>
+          <a:stretch>
+            <a:fillRect/>
+          </a:stretch>
+        </p:blipFill>
+        <p:spPr>
+          <a:xfrm>
+            <a:off x="682942" y="1074420"/>
+            <a:ext cx="7648575" cy="4000500"/>
+          </a:xfrm>
+          <a:prstGeom prst="rect">
+            <a:avLst/>
+          </a:prstGeom>
+        </p:spPr>
+      </p:pic>
+      <p:sp>
+        <p:nvSpPr>
+          <p:cNvPr id="5" name="标题 1">
+            <a:extLst>
+              <a:ext uri="{FF2B5EF4-FFF2-40B4-BE49-F238E27FC236}">
+                <a16:creationId xmlns:a16="http://schemas.microsoft.com/office/drawing/2014/main" id="{71A506C3-9349-416E-B08A-654A073EF0CD}"/>
+              </a:ext>
+            </a:extLst>
+          </p:cNvPr>
+          <p:cNvSpPr>
+            <a:spLocks noGrp="1"/>
+          </p:cNvSpPr>
+          <p:nvPr>
+            <p:ph type="title"/>
+          </p:nvPr>
+        </p:nvSpPr>
+        <p:spPr>
+          <a:xfrm>
+            <a:off x="0" y="1"/>
+            <a:ext cx="10515600" cy="674914"/>
+          </a:xfrm>
+        </p:spPr>
+        <p:txBody>
+          <a:bodyPr>
+            <a:normAutofit/>
+          </a:bodyPr>
+          <a:lstStyle/>
+          <a:p>
+            <a:r>
+              <a:rPr lang="en-US" altLang="zh-CN" sz="3200" dirty="0">
+                <a:latin typeface="微软雅黑" panose="020B0503020204020204" pitchFamily="34" charset="-122"/>
+                <a:ea typeface="微软雅黑" panose="020B0503020204020204" pitchFamily="34" charset="-122"/>
+              </a:rPr>
+              <a:t>bubbles</a:t>
+            </a:r>
+            <a:endParaRPr lang="zh-CN" altLang="en-US" sz="3200" dirty="0">
+              <a:latin typeface="微软雅黑" panose="020B0503020204020204" pitchFamily="34" charset="-122"/>
+              <a:ea typeface="微软雅黑" panose="020B0503020204020204" pitchFamily="34" charset="-122"/>
+            </a:endParaRPr>
+          </a:p>
+        </p:txBody>
+      </p:sp>
+    </p:spTree>
+    <p:extLst>
+      <p:ext uri="{BB962C8B-B14F-4D97-AF65-F5344CB8AC3E}">
+        <p14:creationId xmlns:p14="http://schemas.microsoft.com/office/powerpoint/2010/main" val="3070373788"/>
       </p:ext>
     </p:extLst>
   </p:cSld>

--- a/汇报/组会汇报.pptx
+++ b/汇报/组会汇报.pptx
@@ -218,7 +218,7 @@
           <a:p>
             <a:fld id="{0A33534A-6611-4F3F-8CB4-D23E6B222FB6}" type="datetimeFigureOut">
               <a:rPr lang="zh-CN" altLang="en-US" smtClean="0"/>
-              <a:t>2024/10/13</a:t>
+              <a:t>2024/10/20</a:t>
             </a:fld>
             <a:endParaRPr lang="zh-CN" altLang="en-US"/>
           </a:p>
@@ -860,7 +860,7 @@
           <a:p>
             <a:fld id="{21B0B332-2FA0-4345-B2BE-33804BFCE648}" type="datetimeFigureOut">
               <a:rPr lang="zh-CN" altLang="en-US" smtClean="0"/>
-              <a:t>2024/10/13</a:t>
+              <a:t>2024/10/20</a:t>
             </a:fld>
             <a:endParaRPr lang="zh-CN" altLang="en-US"/>
           </a:p>
@@ -1058,7 +1058,7 @@
           <a:p>
             <a:fld id="{21B0B332-2FA0-4345-B2BE-33804BFCE648}" type="datetimeFigureOut">
               <a:rPr lang="zh-CN" altLang="en-US" smtClean="0"/>
-              <a:t>2024/10/13</a:t>
+              <a:t>2024/10/20</a:t>
             </a:fld>
             <a:endParaRPr lang="zh-CN" altLang="en-US"/>
           </a:p>
@@ -1266,7 +1266,7 @@
           <a:p>
             <a:fld id="{21B0B332-2FA0-4345-B2BE-33804BFCE648}" type="datetimeFigureOut">
               <a:rPr lang="zh-CN" altLang="en-US" smtClean="0"/>
-              <a:t>2024/10/13</a:t>
+              <a:t>2024/10/20</a:t>
             </a:fld>
             <a:endParaRPr lang="zh-CN" altLang="en-US"/>
           </a:p>
@@ -1464,7 +1464,7 @@
           <a:p>
             <a:fld id="{21B0B332-2FA0-4345-B2BE-33804BFCE648}" type="datetimeFigureOut">
               <a:rPr lang="zh-CN" altLang="en-US" smtClean="0"/>
-              <a:t>2024/10/13</a:t>
+              <a:t>2024/10/20</a:t>
             </a:fld>
             <a:endParaRPr lang="zh-CN" altLang="en-US"/>
           </a:p>
@@ -1739,7 +1739,7 @@
           <a:p>
             <a:fld id="{21B0B332-2FA0-4345-B2BE-33804BFCE648}" type="datetimeFigureOut">
               <a:rPr lang="zh-CN" altLang="en-US" smtClean="0"/>
-              <a:t>2024/10/13</a:t>
+              <a:t>2024/10/20</a:t>
             </a:fld>
             <a:endParaRPr lang="zh-CN" altLang="en-US"/>
           </a:p>
@@ -2004,7 +2004,7 @@
           <a:p>
             <a:fld id="{21B0B332-2FA0-4345-B2BE-33804BFCE648}" type="datetimeFigureOut">
               <a:rPr lang="zh-CN" altLang="en-US" smtClean="0"/>
-              <a:t>2024/10/13</a:t>
+              <a:t>2024/10/20</a:t>
             </a:fld>
             <a:endParaRPr lang="zh-CN" altLang="en-US"/>
           </a:p>
@@ -2416,7 +2416,7 @@
           <a:p>
             <a:fld id="{21B0B332-2FA0-4345-B2BE-33804BFCE648}" type="datetimeFigureOut">
               <a:rPr lang="zh-CN" altLang="en-US" smtClean="0"/>
-              <a:t>2024/10/13</a:t>
+              <a:t>2024/10/20</a:t>
             </a:fld>
             <a:endParaRPr lang="zh-CN" altLang="en-US"/>
           </a:p>
@@ -2557,7 +2557,7 @@
           <a:p>
             <a:fld id="{21B0B332-2FA0-4345-B2BE-33804BFCE648}" type="datetimeFigureOut">
               <a:rPr lang="zh-CN" altLang="en-US" smtClean="0"/>
-              <a:t>2024/10/13</a:t>
+              <a:t>2024/10/20</a:t>
             </a:fld>
             <a:endParaRPr lang="zh-CN" altLang="en-US"/>
           </a:p>
@@ -2670,7 +2670,7 @@
           <a:p>
             <a:fld id="{21B0B332-2FA0-4345-B2BE-33804BFCE648}" type="datetimeFigureOut">
               <a:rPr lang="zh-CN" altLang="en-US" smtClean="0"/>
-              <a:t>2024/10/13</a:t>
+              <a:t>2024/10/20</a:t>
             </a:fld>
             <a:endParaRPr lang="zh-CN" altLang="en-US"/>
           </a:p>
@@ -2981,7 +2981,7 @@
           <a:p>
             <a:fld id="{21B0B332-2FA0-4345-B2BE-33804BFCE648}" type="datetimeFigureOut">
               <a:rPr lang="zh-CN" altLang="en-US" smtClean="0"/>
-              <a:t>2024/10/13</a:t>
+              <a:t>2024/10/20</a:t>
             </a:fld>
             <a:endParaRPr lang="zh-CN" altLang="en-US"/>
           </a:p>
@@ -3269,7 +3269,7 @@
           <a:p>
             <a:fld id="{21B0B332-2FA0-4345-B2BE-33804BFCE648}" type="datetimeFigureOut">
               <a:rPr lang="zh-CN" altLang="en-US" smtClean="0"/>
-              <a:t>2024/10/13</a:t>
+              <a:t>2024/10/20</a:t>
             </a:fld>
             <a:endParaRPr lang="zh-CN" altLang="en-US"/>
           </a:p>
@@ -3510,7 +3510,7 @@
           <a:p>
             <a:fld id="{21B0B332-2FA0-4345-B2BE-33804BFCE648}" type="datetimeFigureOut">
               <a:rPr lang="zh-CN" altLang="en-US" smtClean="0"/>
-              <a:t>2024/10/13</a:t>
+              <a:t>2024/10/20</a:t>
             </a:fld>
             <a:endParaRPr lang="zh-CN" altLang="en-US"/>
           </a:p>

--- a/汇报/组会汇报.pptx
+++ b/汇报/组会汇报.pptx
@@ -5,7 +5,7 @@
     <p:sldMasterId id="2147483648" r:id="rId1"/>
   </p:sldMasterIdLst>
   <p:notesMasterIdLst>
-    <p:notesMasterId r:id="rId13"/>
+    <p:notesMasterId r:id="rId15"/>
   </p:notesMasterIdLst>
   <p:sldIdLst>
     <p:sldId id="256" r:id="rId2"/>
@@ -19,6 +19,8 @@
     <p:sldId id="264" r:id="rId10"/>
     <p:sldId id="265" r:id="rId11"/>
     <p:sldId id="266" r:id="rId12"/>
+    <p:sldId id="267" r:id="rId13"/>
+    <p:sldId id="268" r:id="rId14"/>
   </p:sldIdLst>
   <p:sldSz cx="12192000" cy="6858000"/>
   <p:notesSz cx="6858000" cy="9144000"/>
@@ -704,6 +706,116 @@
     <p:extLst>
       <p:ext uri="{BB962C8B-B14F-4D97-AF65-F5344CB8AC3E}">
         <p14:creationId xmlns:p14="http://schemas.microsoft.com/office/powerpoint/2010/main" val="4138788222"/>
+      </p:ext>
+    </p:extLst>
+  </p:cSld>
+  <p:clrMapOvr>
+    <a:masterClrMapping/>
+  </p:clrMapOvr>
+</p:notes>
+</file>
+
+<file path=ppt/notesSlides/notesSlide3.xml><?xml version="1.0" encoding="utf-8"?>
+<p:notes xmlns:a="http://schemas.openxmlformats.org/drawingml/2006/main" xmlns:r="http://schemas.openxmlformats.org/officeDocument/2006/relationships" xmlns:p="http://schemas.openxmlformats.org/presentationml/2006/main">
+  <p:cSld>
+    <p:spTree>
+      <p:nvGrpSpPr>
+        <p:cNvPr id="1" name=""/>
+        <p:cNvGrpSpPr/>
+        <p:nvPr/>
+      </p:nvGrpSpPr>
+      <p:grpSpPr>
+        <a:xfrm>
+          <a:off x="0" y="0"/>
+          <a:ext cx="0" cy="0"/>
+          <a:chOff x="0" y="0"/>
+          <a:chExt cx="0" cy="0"/>
+        </a:xfrm>
+      </p:grpSpPr>
+      <p:sp>
+        <p:nvSpPr>
+          <p:cNvPr id="2" name="幻灯片图像占位符 1"/>
+          <p:cNvSpPr>
+            <a:spLocks noGrp="1" noRot="1" noChangeAspect="1"/>
+          </p:cNvSpPr>
+          <p:nvPr>
+            <p:ph type="sldImg"/>
+          </p:nvPr>
+        </p:nvSpPr>
+        <p:spPr/>
+      </p:sp>
+      <p:sp>
+        <p:nvSpPr>
+          <p:cNvPr id="3" name="备注占位符 2"/>
+          <p:cNvSpPr>
+            <a:spLocks noGrp="1"/>
+          </p:cNvSpPr>
+          <p:nvPr>
+            <p:ph type="body" idx="1"/>
+          </p:nvPr>
+        </p:nvSpPr>
+        <p:spPr/>
+        <p:txBody>
+          <a:bodyPr/>
+          <a:lstStyle/>
+          <a:p>
+            <a:r>
+              <a:rPr lang="en-US" altLang="zh-CN"/>
+              <a:t>1.</a:t>
+            </a:r>
+            <a:r>
+              <a:rPr lang="zh-CN" altLang="en-US"/>
+              <a:t>列目标（创新点）最能实现到最不能实现排序</a:t>
+            </a:r>
+            <a:endParaRPr lang="en-US" altLang="zh-CN"/>
+          </a:p>
+          <a:p>
+            <a:r>
+              <a:rPr lang="zh-CN" altLang="en-US"/>
+              <a:t>一周先干哪个，别发散，集中力量解决关键问题。</a:t>
+            </a:r>
+            <a:endParaRPr lang="en-US" altLang="zh-CN"/>
+          </a:p>
+          <a:p>
+            <a:r>
+              <a:rPr lang="en-US" altLang="zh-CN"/>
+              <a:t>3</a:t>
+            </a:r>
+            <a:r>
+              <a:rPr lang="zh-CN" altLang="en-US"/>
+              <a:t>个创新点。小而精</a:t>
+            </a:r>
+            <a:endParaRPr lang="en-US" altLang="zh-CN"/>
+          </a:p>
+        </p:txBody>
+      </p:sp>
+      <p:sp>
+        <p:nvSpPr>
+          <p:cNvPr id="4" name="灯片编号占位符 3"/>
+          <p:cNvSpPr>
+            <a:spLocks noGrp="1"/>
+          </p:cNvSpPr>
+          <p:nvPr>
+            <p:ph type="sldNum" sz="quarter" idx="5"/>
+          </p:nvPr>
+        </p:nvSpPr>
+        <p:spPr/>
+        <p:txBody>
+          <a:bodyPr/>
+          <a:lstStyle/>
+          <a:p>
+            <a:fld id="{95E2CE21-D175-4F4C-A92B-169D700C7354}" type="slidenum">
+              <a:rPr lang="zh-CN" altLang="en-US" smtClean="0"/>
+              <a:t>11</a:t>
+            </a:fld>
+            <a:endParaRPr lang="zh-CN" altLang="en-US"/>
+          </a:p>
+        </p:txBody>
+      </p:sp>
+    </p:spTree>
+    <p:extLst>
+      <p:ext uri="{BB962C8B-B14F-4D97-AF65-F5344CB8AC3E}">
+        <p14:creationId xmlns:p14="http://schemas.microsoft.com/office/powerpoint/2010/main" val="1626659608"/>
       </p:ext>
     </p:extLst>
   </p:cSld>
@@ -4881,6 +4993,588 @@
     <p:extLst>
       <p:ext uri="{BB962C8B-B14F-4D97-AF65-F5344CB8AC3E}">
         <p14:creationId xmlns:p14="http://schemas.microsoft.com/office/powerpoint/2010/main" val="4002296505"/>
+      </p:ext>
+    </p:extLst>
+  </p:cSld>
+  <p:clrMapOvr>
+    <a:masterClrMapping/>
+  </p:clrMapOvr>
+</p:sld>
+</file>
+
+<file path=ppt/slides/slide12.xml><?xml version="1.0" encoding="utf-8"?>
+<p:sld xmlns:a="http://schemas.openxmlformats.org/drawingml/2006/main" xmlns:r="http://schemas.openxmlformats.org/officeDocument/2006/relationships" xmlns:p="http://schemas.openxmlformats.org/presentationml/2006/main">
+  <p:cSld>
+    <p:spTree>
+      <p:nvGrpSpPr>
+        <p:cNvPr id="1" name=""/>
+        <p:cNvGrpSpPr/>
+        <p:nvPr/>
+      </p:nvGrpSpPr>
+      <p:grpSpPr>
+        <a:xfrm>
+          <a:off x="0" y="0"/>
+          <a:ext cx="0" cy="0"/>
+          <a:chOff x="0" y="0"/>
+          <a:chExt cx="0" cy="0"/>
+        </a:xfrm>
+      </p:grpSpPr>
+      <p:sp>
+        <p:nvSpPr>
+          <p:cNvPr id="5" name="Rectangle 1">
+            <a:extLst>
+              <a:ext uri="{FF2B5EF4-FFF2-40B4-BE49-F238E27FC236}">
+                <a16:creationId xmlns:a16="http://schemas.microsoft.com/office/drawing/2014/main" id="{DD75CAD6-035F-F90F-DF90-3407EBBD0C55}"/>
+              </a:ext>
+            </a:extLst>
+          </p:cNvPr>
+          <p:cNvSpPr>
+            <a:spLocks noChangeArrowheads="1"/>
+          </p:cNvSpPr>
+          <p:nvPr/>
+        </p:nvSpPr>
+        <p:spPr bwMode="auto">
+          <a:xfrm>
+            <a:off x="613922" y="1205147"/>
+            <a:ext cx="10964157" cy="4099264"/>
+          </a:xfrm>
+          <a:prstGeom prst="rect">
+            <a:avLst/>
+          </a:prstGeom>
+          <a:noFill/>
+          <a:ln>
+            <a:noFill/>
+          </a:ln>
+          <a:effectLst/>
+          <a:extLst>
+            <a:ext uri="{909E8E84-426E-40DD-AFC4-6F175D3DCCD1}">
+              <a14:hiddenFill xmlns:a14="http://schemas.microsoft.com/office/drawing/2010/main">
+                <a:solidFill>
+                  <a:schemeClr val="accent1"/>
+                </a:solidFill>
+              </a14:hiddenFill>
+            </a:ext>
+            <a:ext uri="{91240B29-F687-4F45-9708-019B960494DF}">
+              <a14:hiddenLine xmlns:a14="http://schemas.microsoft.com/office/drawing/2010/main" w="9525">
+                <a:solidFill>
+                  <a:schemeClr val="tx1"/>
+                </a:solidFill>
+                <a:miter lim="800000"/>
+                <a:headEnd/>
+                <a:tailEnd/>
+              </a14:hiddenLine>
+            </a:ext>
+            <a:ext uri="{AF507438-7753-43E0-B8FC-AC1667EBCBE1}">
+              <a14:hiddenEffects xmlns:a14="http://schemas.microsoft.com/office/drawing/2010/main">
+                <a:effectLst>
+                  <a:outerShdw dist="35921" dir="2700000" algn="ctr" rotWithShape="0">
+                    <a:schemeClr val="bg2"/>
+                  </a:outerShdw>
+                </a:effectLst>
+              </a14:hiddenEffects>
+            </a:ext>
+          </a:extLst>
+        </p:spPr>
+        <p:txBody>
+          <a:bodyPr vert="horz" wrap="square" lIns="91440" tIns="45720" rIns="91440" bIns="45720" numCol="1" anchor="ctr" anchorCtr="0" compatLnSpc="1">
+            <a:prstTxWarp prst="textNoShape">
+              <a:avLst/>
+            </a:prstTxWarp>
+            <a:spAutoFit/>
+          </a:bodyPr>
+          <a:lstStyle/>
+          <a:p>
+            <a:pPr marL="342900" marR="0" lvl="0" indent="-342900" algn="l" defTabSz="914400" rtl="0" eaLnBrk="0" fontAlgn="base" latinLnBrk="0" hangingPunct="0">
+              <a:lnSpc>
+                <a:spcPct val="300000"/>
+              </a:lnSpc>
+              <a:spcBef>
+                <a:spcPct val="0"/>
+              </a:spcBef>
+              <a:spcAft>
+                <a:spcPct val="0"/>
+              </a:spcAft>
+              <a:buClrTx/>
+              <a:buSzTx/>
+              <a:buFont typeface="+mj-lt"/>
+              <a:buAutoNum type="arabicPeriod"/>
+              <a:tabLst/>
+            </a:pPr>
+            <a:r>
+              <a:rPr kumimoji="0" lang="zh-CN" altLang="zh-CN" sz="1800" b="1" i="0" u="none" strike="noStrike" cap="none" normalizeH="0" baseline="0">
+                <a:ln>
+                  <a:noFill/>
+                </a:ln>
+                <a:solidFill>
+                  <a:schemeClr val="tx1"/>
+                </a:solidFill>
+                <a:effectLst/>
+                <a:latin typeface="Arial" panose="020B0604020202020204" pitchFamily="34" charset="0"/>
+              </a:rPr>
+              <a:t>定制化避撞策略</a:t>
+            </a:r>
+            <a:r>
+              <a:rPr kumimoji="0" lang="zh-CN" altLang="zh-CN" sz="1800" b="0" i="0" u="none" strike="noStrike" cap="none" normalizeH="0" baseline="0">
+                <a:ln>
+                  <a:noFill/>
+                </a:ln>
+                <a:solidFill>
+                  <a:schemeClr val="tx1"/>
+                </a:solidFill>
+                <a:effectLst/>
+                <a:latin typeface="Arial" panose="020B0604020202020204" pitchFamily="34" charset="0"/>
+              </a:rPr>
+              <a:t>：开发一种针对多类型无人机的避撞算法，该算法考虑了不同无人机类型的最小安全距离、加速度、转向速度和爬升/下降速度等参数。</a:t>
+            </a:r>
+          </a:p>
+          <a:p>
+            <a:pPr marL="342900" marR="0" lvl="0" indent="-342900" algn="l" defTabSz="914400" rtl="0" eaLnBrk="0" fontAlgn="base" latinLnBrk="0" hangingPunct="0">
+              <a:lnSpc>
+                <a:spcPct val="300000"/>
+              </a:lnSpc>
+              <a:spcBef>
+                <a:spcPct val="0"/>
+              </a:spcBef>
+              <a:spcAft>
+                <a:spcPct val="0"/>
+              </a:spcAft>
+              <a:buClrTx/>
+              <a:buSzTx/>
+              <a:buFont typeface="+mj-lt"/>
+              <a:buAutoNum type="arabicPeriod"/>
+              <a:tabLst/>
+            </a:pPr>
+            <a:r>
+              <a:rPr kumimoji="0" lang="zh-CN" altLang="zh-CN" sz="1800" b="1" i="0" u="none" strike="noStrike" cap="none" normalizeH="0" baseline="0">
+                <a:ln>
+                  <a:noFill/>
+                </a:ln>
+                <a:solidFill>
+                  <a:schemeClr val="tx1"/>
+                </a:solidFill>
+                <a:effectLst/>
+                <a:latin typeface="Arial" panose="020B0604020202020204" pitchFamily="34" charset="0"/>
+              </a:rPr>
+              <a:t>合作与非合作行为建模</a:t>
+            </a:r>
+            <a:r>
+              <a:rPr kumimoji="0" lang="zh-CN" altLang="zh-CN" sz="1800" b="0" i="0" u="none" strike="noStrike" cap="none" normalizeH="0" baseline="0">
+                <a:ln>
+                  <a:noFill/>
+                </a:ln>
+                <a:solidFill>
+                  <a:schemeClr val="tx1"/>
+                </a:solidFill>
+                <a:effectLst/>
+                <a:latin typeface="Arial" panose="020B0604020202020204" pitchFamily="34" charset="0"/>
+              </a:rPr>
+              <a:t>：引入无人机的合作与非合作行为，模拟现实场景中无人机可能不遵守避撞协议的情况，从而提高算法的鲁棒性。</a:t>
+            </a:r>
+          </a:p>
+          <a:p>
+            <a:pPr marL="342900" marR="0" lvl="0" indent="-342900" algn="l" defTabSz="914400" rtl="0" eaLnBrk="0" fontAlgn="base" latinLnBrk="0" hangingPunct="0">
+              <a:lnSpc>
+                <a:spcPct val="300000"/>
+              </a:lnSpc>
+              <a:spcBef>
+                <a:spcPct val="0"/>
+              </a:spcBef>
+              <a:spcAft>
+                <a:spcPct val="0"/>
+              </a:spcAft>
+              <a:buClrTx/>
+              <a:buSzTx/>
+              <a:buFont typeface="+mj-lt"/>
+              <a:buAutoNum type="arabicPeriod"/>
+              <a:tabLst/>
+            </a:pPr>
+            <a:r>
+              <a:rPr lang="zh-CN" altLang="en-US" b="1">
+                <a:latin typeface="Arial" panose="020B0604020202020204" pitchFamily="34" charset="0"/>
+              </a:rPr>
+              <a:t>优化起降效率</a:t>
+            </a:r>
+            <a:r>
+              <a:rPr kumimoji="0" lang="zh-CN" altLang="zh-CN" sz="1800" b="0" i="0" u="none" strike="noStrike" cap="none" normalizeH="0" baseline="0">
+                <a:ln>
+                  <a:noFill/>
+                </a:ln>
+                <a:solidFill>
+                  <a:schemeClr val="tx1"/>
+                </a:solidFill>
+                <a:effectLst/>
+                <a:latin typeface="Arial" panose="020B0604020202020204" pitchFamily="34" charset="0"/>
+              </a:rPr>
+              <a:t>：算法针对高密度城市空域进行了优化，</a:t>
+            </a:r>
+            <a:r>
+              <a:rPr kumimoji="0" lang="zh-CN" altLang="en-US" sz="1800" b="0" i="0" u="none" strike="noStrike" cap="none" normalizeH="0" baseline="0">
+                <a:ln>
+                  <a:noFill/>
+                </a:ln>
+                <a:solidFill>
+                  <a:schemeClr val="tx1"/>
+                </a:solidFill>
+                <a:effectLst/>
+                <a:latin typeface="Arial" panose="020B0604020202020204" pitchFamily="34" charset="0"/>
+              </a:rPr>
+              <a:t>高效率</a:t>
+            </a:r>
+            <a:r>
+              <a:rPr kumimoji="0" lang="zh-CN" altLang="zh-CN" sz="1800" b="0" i="0" u="none" strike="noStrike" cap="none" normalizeH="0" baseline="0">
+                <a:ln>
+                  <a:noFill/>
+                </a:ln>
+                <a:solidFill>
+                  <a:schemeClr val="tx1"/>
+                </a:solidFill>
+                <a:effectLst/>
+                <a:latin typeface="Arial" panose="020B0604020202020204" pitchFamily="34" charset="0"/>
+              </a:rPr>
+              <a:t>处理大量无人机同时存在的复杂场景。</a:t>
+            </a:r>
+          </a:p>
+        </p:txBody>
+      </p:sp>
+    </p:spTree>
+    <p:extLst>
+      <p:ext uri="{BB962C8B-B14F-4D97-AF65-F5344CB8AC3E}">
+        <p14:creationId xmlns:p14="http://schemas.microsoft.com/office/powerpoint/2010/main" val="3549142997"/>
+      </p:ext>
+    </p:extLst>
+  </p:cSld>
+  <p:clrMapOvr>
+    <a:masterClrMapping/>
+  </p:clrMapOvr>
+</p:sld>
+</file>
+
+<file path=ppt/slides/slide13.xml><?xml version="1.0" encoding="utf-8"?>
+<p:sld xmlns:a="http://schemas.openxmlformats.org/drawingml/2006/main" xmlns:r="http://schemas.openxmlformats.org/officeDocument/2006/relationships" xmlns:p="http://schemas.openxmlformats.org/presentationml/2006/main">
+  <p:cSld>
+    <p:spTree>
+      <p:nvGrpSpPr>
+        <p:cNvPr id="1" name=""/>
+        <p:cNvGrpSpPr/>
+        <p:nvPr/>
+      </p:nvGrpSpPr>
+      <p:grpSpPr>
+        <a:xfrm>
+          <a:off x="0" y="0"/>
+          <a:ext cx="0" cy="0"/>
+          <a:chOff x="0" y="0"/>
+          <a:chExt cx="0" cy="0"/>
+        </a:xfrm>
+      </p:grpSpPr>
+      <p:sp>
+        <p:nvSpPr>
+          <p:cNvPr id="6" name="文本框 5">
+            <a:extLst>
+              <a:ext uri="{FF2B5EF4-FFF2-40B4-BE49-F238E27FC236}">
+                <a16:creationId xmlns:a16="http://schemas.microsoft.com/office/drawing/2014/main" id="{B1BA39AD-61DC-4266-709A-3EB55B1DD5CF}"/>
+              </a:ext>
+            </a:extLst>
+          </p:cNvPr>
+          <p:cNvSpPr txBox="1"/>
+          <p:nvPr/>
+        </p:nvSpPr>
+        <p:spPr>
+          <a:xfrm>
+            <a:off x="413657" y="1505927"/>
+            <a:ext cx="6096000" cy="923330"/>
+          </a:xfrm>
+          <a:prstGeom prst="rect">
+            <a:avLst/>
+          </a:prstGeom>
+          <a:noFill/>
+        </p:spPr>
+        <p:txBody>
+          <a:bodyPr wrap="square">
+            <a:spAutoFit/>
+          </a:bodyPr>
+          <a:lstStyle/>
+          <a:p>
+            <a:r>
+              <a:rPr lang="en-US" altLang="zh-CN" sz="1800">
+                <a:effectLst/>
+                <a:latin typeface="Times New Roman" panose="02020603050405020304" pitchFamily="18" charset="0"/>
+                <a:ea typeface="宋体" panose="02010600030101010101" pitchFamily="2" charset="-122"/>
+              </a:rPr>
+              <a:t>EVTOL</a:t>
+            </a:r>
+            <a:r>
+              <a:rPr lang="zh-CN" altLang="zh-CN" sz="1800">
+                <a:effectLst/>
+                <a:latin typeface="Times New Roman" panose="02020603050405020304" pitchFamily="18" charset="0"/>
+                <a:ea typeface="宋体" panose="02010600030101010101" pitchFamily="2" charset="-122"/>
+                <a:cs typeface="Times New Roman" panose="02020603050405020304" pitchFamily="18" charset="0"/>
+              </a:rPr>
+              <a:t>系统中的每架飞行器不仅要与环境互动以实现其个体的动作优化，还要与其他飞行器协同配合，共同实现整个系统的最优性能。</a:t>
+            </a:r>
+            <a:endParaRPr lang="zh-CN" altLang="en-US"/>
+          </a:p>
+        </p:txBody>
+      </p:sp>
+      <p:sp>
+        <p:nvSpPr>
+          <p:cNvPr id="9" name="文本框 8">
+            <a:extLst>
+              <a:ext uri="{FF2B5EF4-FFF2-40B4-BE49-F238E27FC236}">
+                <a16:creationId xmlns:a16="http://schemas.microsoft.com/office/drawing/2014/main" id="{7FD95743-FA8A-4581-EC96-67DAA9602D82}"/>
+              </a:ext>
+            </a:extLst>
+          </p:cNvPr>
+          <p:cNvSpPr txBox="1"/>
+          <p:nvPr/>
+        </p:nvSpPr>
+        <p:spPr>
+          <a:xfrm>
+            <a:off x="413657" y="2765948"/>
+            <a:ext cx="6096000" cy="923330"/>
+          </a:xfrm>
+          <a:prstGeom prst="rect">
+            <a:avLst/>
+          </a:prstGeom>
+          <a:noFill/>
+        </p:spPr>
+        <p:txBody>
+          <a:bodyPr wrap="square">
+            <a:spAutoFit/>
+          </a:bodyPr>
+          <a:lstStyle/>
+          <a:p>
+            <a:r>
+              <a:rPr lang="zh-CN" altLang="zh-CN" sz="1800">
+                <a:effectLst/>
+                <a:latin typeface="Times New Roman" panose="02020603050405020304" pitchFamily="18" charset="0"/>
+                <a:ea typeface="宋体" panose="02010600030101010101" pitchFamily="2" charset="-122"/>
+                <a:cs typeface="Times New Roman" panose="02020603050405020304" pitchFamily="18" charset="0"/>
+              </a:rPr>
+              <a:t>采取多种策略来优化模型的性能，包括但不限于改进奖励设计以减少奖励震荡现象、优化经验回放机制以提高样本利用率、以及改进探索机制以增强模型的探索性。</a:t>
+            </a:r>
+            <a:endParaRPr lang="zh-CN" altLang="en-US"/>
+          </a:p>
+        </p:txBody>
+      </p:sp>
+      <p:sp>
+        <p:nvSpPr>
+          <p:cNvPr id="12" name="文本框 11">
+            <a:extLst>
+              <a:ext uri="{FF2B5EF4-FFF2-40B4-BE49-F238E27FC236}">
+                <a16:creationId xmlns:a16="http://schemas.microsoft.com/office/drawing/2014/main" id="{9DFA130B-C5BA-9B2E-3A08-B2BFFBA1DBCF}"/>
+              </a:ext>
+            </a:extLst>
+          </p:cNvPr>
+          <p:cNvSpPr txBox="1"/>
+          <p:nvPr/>
+        </p:nvSpPr>
+        <p:spPr>
+          <a:xfrm>
+            <a:off x="413657" y="4025969"/>
+            <a:ext cx="6096000" cy="646331"/>
+          </a:xfrm>
+          <a:prstGeom prst="rect">
+            <a:avLst/>
+          </a:prstGeom>
+          <a:noFill/>
+        </p:spPr>
+        <p:txBody>
+          <a:bodyPr wrap="square">
+            <a:spAutoFit/>
+          </a:bodyPr>
+          <a:lstStyle/>
+          <a:p>
+            <a:r>
+              <a:rPr lang="zh-CN" altLang="zh-CN" sz="1800">
+                <a:effectLst/>
+                <a:latin typeface="Times New Roman" panose="02020603050405020304" pitchFamily="18" charset="0"/>
+                <a:ea typeface="宋体" panose="02010600030101010101" pitchFamily="2" charset="-122"/>
+                <a:cs typeface="Times New Roman" panose="02020603050405020304" pitchFamily="18" charset="0"/>
+              </a:rPr>
+              <a:t>通过参数调整和模型验证来不断完善模型的表现，确保其在</a:t>
+            </a:r>
+            <a:r>
+              <a:rPr lang="en-US" altLang="zh-CN" sz="1800">
+                <a:effectLst/>
+                <a:latin typeface="Times New Roman" panose="02020603050405020304" pitchFamily="18" charset="0"/>
+                <a:ea typeface="宋体" panose="02010600030101010101" pitchFamily="2" charset="-122"/>
+              </a:rPr>
+              <a:t> EVTOL</a:t>
+            </a:r>
+            <a:r>
+              <a:rPr lang="zh-CN" altLang="zh-CN" sz="1800">
+                <a:effectLst/>
+                <a:latin typeface="Times New Roman" panose="02020603050405020304" pitchFamily="18" charset="0"/>
+                <a:ea typeface="宋体" panose="02010600030101010101" pitchFamily="2" charset="-122"/>
+                <a:cs typeface="Times New Roman" panose="02020603050405020304" pitchFamily="18" charset="0"/>
+              </a:rPr>
+              <a:t>的实际应用中能够达到预期的安全与效率标准。</a:t>
+            </a:r>
+            <a:endParaRPr lang="zh-CN" altLang="en-US"/>
+          </a:p>
+        </p:txBody>
+      </p:sp>
+      <p:sp>
+        <p:nvSpPr>
+          <p:cNvPr id="15" name="文本框 14">
+            <a:extLst>
+              <a:ext uri="{FF2B5EF4-FFF2-40B4-BE49-F238E27FC236}">
+                <a16:creationId xmlns:a16="http://schemas.microsoft.com/office/drawing/2014/main" id="{3407B517-4201-7356-2DC6-31BF226400D5}"/>
+              </a:ext>
+            </a:extLst>
+          </p:cNvPr>
+          <p:cNvSpPr txBox="1"/>
+          <p:nvPr/>
+        </p:nvSpPr>
+        <p:spPr>
+          <a:xfrm>
+            <a:off x="413657" y="245906"/>
+            <a:ext cx="6096000" cy="923330"/>
+          </a:xfrm>
+          <a:prstGeom prst="rect">
+            <a:avLst/>
+          </a:prstGeom>
+          <a:noFill/>
+        </p:spPr>
+        <p:txBody>
+          <a:bodyPr wrap="square">
+            <a:spAutoFit/>
+          </a:bodyPr>
+          <a:lstStyle/>
+          <a:p>
+            <a:r>
+              <a:rPr lang="zh-CN" altLang="zh-CN" sz="1800">
+                <a:effectLst/>
+                <a:latin typeface="Times New Roman" panose="02020603050405020304" pitchFamily="18" charset="0"/>
+                <a:ea typeface="宋体" panose="02010600030101010101" pitchFamily="2" charset="-122"/>
+                <a:cs typeface="Times New Roman" panose="02020603050405020304" pitchFamily="18" charset="0"/>
+              </a:rPr>
+              <a:t>为</a:t>
+            </a:r>
+            <a:r>
+              <a:rPr lang="en-US" altLang="zh-CN" sz="1800">
+                <a:effectLst/>
+                <a:latin typeface="Times New Roman" panose="02020603050405020304" pitchFamily="18" charset="0"/>
+                <a:ea typeface="宋体" panose="02010600030101010101" pitchFamily="2" charset="-122"/>
+              </a:rPr>
+              <a:t> EVTOL</a:t>
+            </a:r>
+            <a:r>
+              <a:rPr lang="zh-CN" altLang="zh-CN" sz="1800">
+                <a:effectLst/>
+                <a:latin typeface="Times New Roman" panose="02020603050405020304" pitchFamily="18" charset="0"/>
+                <a:ea typeface="宋体" panose="02010600030101010101" pitchFamily="2" charset="-122"/>
+                <a:cs typeface="Times New Roman" panose="02020603050405020304" pitchFamily="18" charset="0"/>
+              </a:rPr>
+              <a:t>垂直起降方法的实际应用提供一个可靠、高效的决策支持工具，促进该技术向实际应用领域的转化，为未来的个人出行和城市空中交通提供新的解决方案。</a:t>
+            </a:r>
+            <a:endParaRPr lang="zh-CN" altLang="en-US"/>
+          </a:p>
+        </p:txBody>
+      </p:sp>
+      <p:sp>
+        <p:nvSpPr>
+          <p:cNvPr id="18" name="文本框 17">
+            <a:extLst>
+              <a:ext uri="{FF2B5EF4-FFF2-40B4-BE49-F238E27FC236}">
+                <a16:creationId xmlns:a16="http://schemas.microsoft.com/office/drawing/2014/main" id="{5FBE14A2-2EDD-74EE-F24C-47853D2DFA6F}"/>
+              </a:ext>
+            </a:extLst>
+          </p:cNvPr>
+          <p:cNvSpPr txBox="1"/>
+          <p:nvPr/>
+        </p:nvSpPr>
+        <p:spPr>
+          <a:xfrm>
+            <a:off x="413657" y="5008991"/>
+            <a:ext cx="6096000" cy="646331"/>
+          </a:xfrm>
+          <a:prstGeom prst="rect">
+            <a:avLst/>
+          </a:prstGeom>
+          <a:noFill/>
+        </p:spPr>
+        <p:txBody>
+          <a:bodyPr wrap="square">
+            <a:spAutoFit/>
+          </a:bodyPr>
+          <a:lstStyle/>
+          <a:p>
+            <a:r>
+              <a:rPr lang="zh-CN" altLang="zh-CN" sz="1800">
+                <a:effectLst/>
+                <a:latin typeface="Times New Roman" panose="02020603050405020304" pitchFamily="18" charset="0"/>
+                <a:ea typeface="宋体" panose="02010600030101010101" pitchFamily="2" charset="-122"/>
+                <a:cs typeface="Times New Roman" panose="02020603050405020304" pitchFamily="18" charset="0"/>
+              </a:rPr>
+              <a:t>奖励函数的设计要能够具体反映</a:t>
+            </a:r>
+            <a:r>
+              <a:rPr lang="en-US" altLang="zh-CN" sz="1800">
+                <a:effectLst/>
+                <a:latin typeface="Times New Roman" panose="02020603050405020304" pitchFamily="18" charset="0"/>
+                <a:ea typeface="宋体" panose="02010600030101010101" pitchFamily="2" charset="-122"/>
+              </a:rPr>
+              <a:t> EVTOL</a:t>
+            </a:r>
+            <a:r>
+              <a:rPr lang="zh-CN" altLang="zh-CN" sz="1800">
+                <a:effectLst/>
+                <a:latin typeface="Times New Roman" panose="02020603050405020304" pitchFamily="18" charset="0"/>
+                <a:ea typeface="宋体" panose="02010600030101010101" pitchFamily="2" charset="-122"/>
+                <a:cs typeface="Times New Roman" panose="02020603050405020304" pitchFamily="18" charset="0"/>
+              </a:rPr>
+              <a:t>起降的目标，如最小化着陆时的下降高度、减少能耗等。</a:t>
+            </a:r>
+            <a:endParaRPr lang="zh-CN" altLang="en-US"/>
+          </a:p>
+        </p:txBody>
+      </p:sp>
+      <p:sp>
+        <p:nvSpPr>
+          <p:cNvPr id="21" name="文本框 20">
+            <a:extLst>
+              <a:ext uri="{FF2B5EF4-FFF2-40B4-BE49-F238E27FC236}">
+                <a16:creationId xmlns:a16="http://schemas.microsoft.com/office/drawing/2014/main" id="{6F662FBB-8300-ABCD-E272-0F9858A669C5}"/>
+              </a:ext>
+            </a:extLst>
+          </p:cNvPr>
+          <p:cNvSpPr txBox="1"/>
+          <p:nvPr/>
+        </p:nvSpPr>
+        <p:spPr>
+          <a:xfrm>
+            <a:off x="413657" y="5934670"/>
+            <a:ext cx="6096000" cy="923330"/>
+          </a:xfrm>
+          <a:prstGeom prst="rect">
+            <a:avLst/>
+          </a:prstGeom>
+          <a:noFill/>
+        </p:spPr>
+        <p:txBody>
+          <a:bodyPr wrap="square">
+            <a:spAutoFit/>
+          </a:bodyPr>
+          <a:lstStyle/>
+          <a:p>
+            <a:r>
+              <a:rPr lang="zh-CN" altLang="zh-CN" sz="1800">
+                <a:effectLst/>
+                <a:latin typeface="Times New Roman" panose="02020603050405020304" pitchFamily="18" charset="0"/>
+                <a:ea typeface="宋体" panose="02010600030101010101" pitchFamily="2" charset="-122"/>
+                <a:cs typeface="Times New Roman" panose="02020603050405020304" pitchFamily="18" charset="0"/>
+              </a:rPr>
+              <a:t>如何在保证飞行安全的前提下最大化起降效率，如何在复杂的空中和地面交通环境中进行有效的路径规划，以及如何在多无人机系统中实现高效的协同工作。</a:t>
+            </a:r>
+            <a:endParaRPr lang="zh-CN" altLang="en-US"/>
+          </a:p>
+        </p:txBody>
+      </p:sp>
+    </p:spTree>
+    <p:extLst>
+      <p:ext uri="{BB962C8B-B14F-4D97-AF65-F5344CB8AC3E}">
+        <p14:creationId xmlns:p14="http://schemas.microsoft.com/office/powerpoint/2010/main" val="1187330225"/>
       </p:ext>
     </p:extLst>
   </p:cSld>
@@ -15300,7 +15994,7 @@
         </p:blipFill>
         <p:spPr>
           <a:xfrm>
-            <a:off x="230505" y="0"/>
+            <a:off x="1950448" y="892628"/>
             <a:ext cx="7410450" cy="4019550"/>
           </a:xfrm>
           <a:prstGeom prst="rect">

--- a/汇报/组会汇报.pptx
+++ b/汇报/组会汇报.pptx
@@ -5,7 +5,7 @@
     <p:sldMasterId id="2147483648" r:id="rId1"/>
   </p:sldMasterIdLst>
   <p:notesMasterIdLst>
-    <p:notesMasterId r:id="rId15"/>
+    <p:notesMasterId r:id="rId16"/>
   </p:notesMasterIdLst>
   <p:sldIdLst>
     <p:sldId id="256" r:id="rId2"/>
@@ -21,6 +21,7 @@
     <p:sldId id="266" r:id="rId12"/>
     <p:sldId id="267" r:id="rId13"/>
     <p:sldId id="268" r:id="rId14"/>
+    <p:sldId id="269" r:id="rId15"/>
   </p:sldIdLst>
   <p:sldSz cx="12192000" cy="6858000"/>
   <p:notesSz cx="6858000" cy="9144000"/>
@@ -220,7 +221,7 @@
           <a:p>
             <a:fld id="{0A33534A-6611-4F3F-8CB4-D23E6B222FB6}" type="datetimeFigureOut">
               <a:rPr lang="zh-CN" altLang="en-US" smtClean="0"/>
-              <a:t>2024/10/20</a:t>
+              <a:t>2024/10/22</a:t>
             </a:fld>
             <a:endParaRPr lang="zh-CN" altLang="en-US"/>
           </a:p>
@@ -972,7 +973,7 @@
           <a:p>
             <a:fld id="{21B0B332-2FA0-4345-B2BE-33804BFCE648}" type="datetimeFigureOut">
               <a:rPr lang="zh-CN" altLang="en-US" smtClean="0"/>
-              <a:t>2024/10/20</a:t>
+              <a:t>2024/10/22</a:t>
             </a:fld>
             <a:endParaRPr lang="zh-CN" altLang="en-US"/>
           </a:p>
@@ -1170,7 +1171,7 @@
           <a:p>
             <a:fld id="{21B0B332-2FA0-4345-B2BE-33804BFCE648}" type="datetimeFigureOut">
               <a:rPr lang="zh-CN" altLang="en-US" smtClean="0"/>
-              <a:t>2024/10/20</a:t>
+              <a:t>2024/10/22</a:t>
             </a:fld>
             <a:endParaRPr lang="zh-CN" altLang="en-US"/>
           </a:p>
@@ -1378,7 +1379,7 @@
           <a:p>
             <a:fld id="{21B0B332-2FA0-4345-B2BE-33804BFCE648}" type="datetimeFigureOut">
               <a:rPr lang="zh-CN" altLang="en-US" smtClean="0"/>
-              <a:t>2024/10/20</a:t>
+              <a:t>2024/10/22</a:t>
             </a:fld>
             <a:endParaRPr lang="zh-CN" altLang="en-US"/>
           </a:p>
@@ -1576,7 +1577,7 @@
           <a:p>
             <a:fld id="{21B0B332-2FA0-4345-B2BE-33804BFCE648}" type="datetimeFigureOut">
               <a:rPr lang="zh-CN" altLang="en-US" smtClean="0"/>
-              <a:t>2024/10/20</a:t>
+              <a:t>2024/10/22</a:t>
             </a:fld>
             <a:endParaRPr lang="zh-CN" altLang="en-US"/>
           </a:p>
@@ -1851,7 +1852,7 @@
           <a:p>
             <a:fld id="{21B0B332-2FA0-4345-B2BE-33804BFCE648}" type="datetimeFigureOut">
               <a:rPr lang="zh-CN" altLang="en-US" smtClean="0"/>
-              <a:t>2024/10/20</a:t>
+              <a:t>2024/10/22</a:t>
             </a:fld>
             <a:endParaRPr lang="zh-CN" altLang="en-US"/>
           </a:p>
@@ -2116,7 +2117,7 @@
           <a:p>
             <a:fld id="{21B0B332-2FA0-4345-B2BE-33804BFCE648}" type="datetimeFigureOut">
               <a:rPr lang="zh-CN" altLang="en-US" smtClean="0"/>
-              <a:t>2024/10/20</a:t>
+              <a:t>2024/10/22</a:t>
             </a:fld>
             <a:endParaRPr lang="zh-CN" altLang="en-US"/>
           </a:p>
@@ -2528,7 +2529,7 @@
           <a:p>
             <a:fld id="{21B0B332-2FA0-4345-B2BE-33804BFCE648}" type="datetimeFigureOut">
               <a:rPr lang="zh-CN" altLang="en-US" smtClean="0"/>
-              <a:t>2024/10/20</a:t>
+              <a:t>2024/10/22</a:t>
             </a:fld>
             <a:endParaRPr lang="zh-CN" altLang="en-US"/>
           </a:p>
@@ -2669,7 +2670,7 @@
           <a:p>
             <a:fld id="{21B0B332-2FA0-4345-B2BE-33804BFCE648}" type="datetimeFigureOut">
               <a:rPr lang="zh-CN" altLang="en-US" smtClean="0"/>
-              <a:t>2024/10/20</a:t>
+              <a:t>2024/10/22</a:t>
             </a:fld>
             <a:endParaRPr lang="zh-CN" altLang="en-US"/>
           </a:p>
@@ -2782,7 +2783,7 @@
           <a:p>
             <a:fld id="{21B0B332-2FA0-4345-B2BE-33804BFCE648}" type="datetimeFigureOut">
               <a:rPr lang="zh-CN" altLang="en-US" smtClean="0"/>
-              <a:t>2024/10/20</a:t>
+              <a:t>2024/10/22</a:t>
             </a:fld>
             <a:endParaRPr lang="zh-CN" altLang="en-US"/>
           </a:p>
@@ -3093,7 +3094,7 @@
           <a:p>
             <a:fld id="{21B0B332-2FA0-4345-B2BE-33804BFCE648}" type="datetimeFigureOut">
               <a:rPr lang="zh-CN" altLang="en-US" smtClean="0"/>
-              <a:t>2024/10/20</a:t>
+              <a:t>2024/10/22</a:t>
             </a:fld>
             <a:endParaRPr lang="zh-CN" altLang="en-US"/>
           </a:p>
@@ -3381,7 +3382,7 @@
           <a:p>
             <a:fld id="{21B0B332-2FA0-4345-B2BE-33804BFCE648}" type="datetimeFigureOut">
               <a:rPr lang="zh-CN" altLang="en-US" smtClean="0"/>
-              <a:t>2024/10/20</a:t>
+              <a:t>2024/10/22</a:t>
             </a:fld>
             <a:endParaRPr lang="zh-CN" altLang="en-US"/>
           </a:p>
@@ -3622,7 +3623,7 @@
           <a:p>
             <a:fld id="{21B0B332-2FA0-4345-B2BE-33804BFCE648}" type="datetimeFigureOut">
               <a:rPr lang="zh-CN" altLang="en-US" smtClean="0"/>
-              <a:t>2024/10/20</a:t>
+              <a:t>2024/10/22</a:t>
             </a:fld>
             <a:endParaRPr lang="zh-CN" altLang="en-US"/>
           </a:p>
@@ -5035,7 +5036,7 @@
         </p:nvSpPr>
         <p:spPr bwMode="auto">
           <a:xfrm>
-            <a:off x="613922" y="1205147"/>
+            <a:off x="373892" y="2611037"/>
             <a:ext cx="10964157" cy="4099264"/>
           </a:xfrm>
           <a:prstGeom prst="rect">
@@ -5101,7 +5102,7 @@
               <a:tabLst/>
             </a:pPr>
             <a:r>
-              <a:rPr kumimoji="0" lang="zh-CN" altLang="zh-CN" sz="1800" b="1" i="0" u="none" strike="noStrike" cap="none" normalizeH="0" baseline="0">
+              <a:rPr kumimoji="0" lang="zh-CN" altLang="zh-CN" sz="1800" b="1" i="0" u="none" strike="noStrike" cap="none" normalizeH="0" baseline="0" dirty="0">
                 <a:ln>
                   <a:noFill/>
                 </a:ln>
@@ -5114,7 +5115,7 @@
               <a:t>定制化避撞策略</a:t>
             </a:r>
             <a:r>
-              <a:rPr kumimoji="0" lang="zh-CN" altLang="zh-CN" sz="1800" b="0" i="0" u="none" strike="noStrike" cap="none" normalizeH="0" baseline="0">
+              <a:rPr kumimoji="0" lang="zh-CN" altLang="zh-CN" sz="1800" b="0" i="0" u="none" strike="noStrike" cap="none" normalizeH="0" baseline="0" dirty="0">
                 <a:ln>
                   <a:noFill/>
                 </a:ln>
@@ -5145,7 +5146,7 @@
               <a:tabLst/>
             </a:pPr>
             <a:r>
-              <a:rPr kumimoji="0" lang="zh-CN" altLang="zh-CN" sz="1800" b="1" i="0" u="none" strike="noStrike" cap="none" normalizeH="0" baseline="0">
+              <a:rPr kumimoji="0" lang="zh-CN" altLang="zh-CN" sz="1800" b="1" i="0" u="none" strike="noStrike" cap="none" normalizeH="0" baseline="0" dirty="0">
                 <a:ln>
                   <a:noFill/>
                 </a:ln>
@@ -5158,7 +5159,7 @@
               <a:t>合作与非合作行为建模</a:t>
             </a:r>
             <a:r>
-              <a:rPr kumimoji="0" lang="zh-CN" altLang="zh-CN" sz="1800" b="0" i="0" u="none" strike="noStrike" cap="none" normalizeH="0" baseline="0">
+              <a:rPr kumimoji="0" lang="zh-CN" altLang="zh-CN" sz="1800" b="0" i="0" u="none" strike="noStrike" cap="none" normalizeH="0" baseline="0" dirty="0">
                 <a:ln>
                   <a:noFill/>
                 </a:ln>
@@ -5189,13 +5190,13 @@
               <a:tabLst/>
             </a:pPr>
             <a:r>
-              <a:rPr lang="zh-CN" altLang="en-US" b="1">
+              <a:rPr lang="zh-CN" altLang="en-US" b="1" dirty="0">
                 <a:latin typeface="Arial" panose="020B0604020202020204" pitchFamily="34" charset="0"/>
               </a:rPr>
               <a:t>优化起降效率</a:t>
             </a:r>
             <a:r>
-              <a:rPr kumimoji="0" lang="zh-CN" altLang="zh-CN" sz="1800" b="0" i="0" u="none" strike="noStrike" cap="none" normalizeH="0" baseline="0">
+              <a:rPr kumimoji="0" lang="zh-CN" altLang="zh-CN" sz="1800" b="0" i="0" u="none" strike="noStrike" cap="none" normalizeH="0" baseline="0" dirty="0">
                 <a:ln>
                   <a:noFill/>
                 </a:ln>
@@ -5208,7 +5209,7 @@
               <a:t>：算法针对高密度城市空域进行了优化，</a:t>
             </a:r>
             <a:r>
-              <a:rPr kumimoji="0" lang="zh-CN" altLang="en-US" sz="1800" b="0" i="0" u="none" strike="noStrike" cap="none" normalizeH="0" baseline="0">
+              <a:rPr kumimoji="0" lang="zh-CN" altLang="en-US" sz="1800" b="0" i="0" u="none" strike="noStrike" cap="none" normalizeH="0" baseline="0" dirty="0">
                 <a:ln>
                   <a:noFill/>
                 </a:ln>
@@ -5221,7 +5222,7 @@
               <a:t>高效率</a:t>
             </a:r>
             <a:r>
-              <a:rPr kumimoji="0" lang="zh-CN" altLang="zh-CN" sz="1800" b="0" i="0" u="none" strike="noStrike" cap="none" normalizeH="0" baseline="0">
+              <a:rPr kumimoji="0" lang="zh-CN" altLang="zh-CN" sz="1800" b="0" i="0" u="none" strike="noStrike" cap="none" normalizeH="0" baseline="0" dirty="0">
                 <a:ln>
                   <a:noFill/>
                 </a:ln>
@@ -5232,6 +5233,64 @@
                 <a:latin typeface="Arial" panose="020B0604020202020204" pitchFamily="34" charset="0"/>
               </a:rPr>
               <a:t>处理大量无人机同时存在的复杂场景。</a:t>
+            </a:r>
+          </a:p>
+        </p:txBody>
+      </p:sp>
+      <p:sp>
+        <p:nvSpPr>
+          <p:cNvPr id="2" name="矩形 1">
+            <a:extLst>
+              <a:ext uri="{FF2B5EF4-FFF2-40B4-BE49-F238E27FC236}">
+                <a16:creationId xmlns:a16="http://schemas.microsoft.com/office/drawing/2014/main" id="{67B3DCA0-2A98-434B-ADE1-9C8EC3083954}"/>
+              </a:ext>
+            </a:extLst>
+          </p:cNvPr>
+          <p:cNvSpPr/>
+          <p:nvPr/>
+        </p:nvSpPr>
+        <p:spPr>
+          <a:xfrm>
+            <a:off x="487680" y="579712"/>
+            <a:ext cx="11182350" cy="1200329"/>
+          </a:xfrm>
+          <a:prstGeom prst="rect">
+            <a:avLst/>
+          </a:prstGeom>
+        </p:spPr>
+        <p:txBody>
+          <a:bodyPr wrap="square">
+            <a:spAutoFit/>
+          </a:bodyPr>
+          <a:lstStyle/>
+          <a:p>
+            <a:r>
+              <a:rPr lang="zh-CN" altLang="en-US" dirty="0"/>
+              <a:t>在未来的城市空中交通中，无人机之间的通信和信息共享对于确保空域安全和效率至关重要。</a:t>
+            </a:r>
+            <a:r>
+              <a:rPr lang="zh-CN" altLang="en-US" b="1" dirty="0"/>
+              <a:t>合作无人机</a:t>
+            </a:r>
+            <a:r>
+              <a:rPr lang="zh-CN" altLang="en-US" dirty="0"/>
+              <a:t>可以通过通信协议（如 </a:t>
+            </a:r>
+            <a:r>
+              <a:rPr lang="en-US" altLang="zh-CN" dirty="0"/>
+              <a:t>ADS-B</a:t>
+            </a:r>
+            <a:r>
+              <a:rPr lang="zh-CN" altLang="en-US" dirty="0"/>
+              <a:t>）共享其状态和意图（目标位置、任务等），从而实现协同飞行和避撞。然而，</a:t>
+            </a:r>
+            <a:r>
+              <a:rPr lang="zh-CN" altLang="en-US" b="1" dirty="0"/>
+              <a:t>非合作无人机</a:t>
+            </a:r>
+            <a:r>
+              <a:rPr lang="zh-CN" altLang="en-US" dirty="0"/>
+              <a:t>由于种种原因（如缺乏通信设备、运营商不愿共享信息等），无法与其他无人机共享信息，这增加了空域管理的复杂性。</a:t>
             </a:r>
           </a:p>
         </p:txBody>
@@ -5575,6 +5634,233 @@
     <p:extLst>
       <p:ext uri="{BB962C8B-B14F-4D97-AF65-F5344CB8AC3E}">
         <p14:creationId xmlns:p14="http://schemas.microsoft.com/office/powerpoint/2010/main" val="1187330225"/>
+      </p:ext>
+    </p:extLst>
+  </p:cSld>
+  <p:clrMapOvr>
+    <a:masterClrMapping/>
+  </p:clrMapOvr>
+</p:sld>
+</file>
+
+<file path=ppt/slides/slide14.xml><?xml version="1.0" encoding="utf-8"?>
+<p:sld xmlns:a="http://schemas.openxmlformats.org/drawingml/2006/main" xmlns:r="http://schemas.openxmlformats.org/officeDocument/2006/relationships" xmlns:p="http://schemas.openxmlformats.org/presentationml/2006/main">
+  <p:cSld>
+    <p:spTree>
+      <p:nvGrpSpPr>
+        <p:cNvPr id="1" name=""/>
+        <p:cNvGrpSpPr/>
+        <p:nvPr/>
+      </p:nvGrpSpPr>
+      <p:grpSpPr>
+        <a:xfrm>
+          <a:off x="0" y="0"/>
+          <a:ext cx="0" cy="0"/>
+          <a:chOff x="0" y="0"/>
+          <a:chExt cx="0" cy="0"/>
+        </a:xfrm>
+      </p:grpSpPr>
+      <p:sp>
+        <p:nvSpPr>
+          <p:cNvPr id="5" name="Rectangle 2">
+            <a:extLst>
+              <a:ext uri="{FF2B5EF4-FFF2-40B4-BE49-F238E27FC236}">
+                <a16:creationId xmlns:a16="http://schemas.microsoft.com/office/drawing/2014/main" id="{FF01CC01-18EB-4AD6-A7E7-69CB2396DFB6}"/>
+              </a:ext>
+            </a:extLst>
+          </p:cNvPr>
+          <p:cNvSpPr>
+            <a:spLocks noChangeArrowheads="1"/>
+          </p:cNvSpPr>
+          <p:nvPr/>
+        </p:nvSpPr>
+        <p:spPr bwMode="auto">
+          <a:xfrm>
+            <a:off x="297180" y="388889"/>
+            <a:ext cx="8595360" cy="2308324"/>
+          </a:xfrm>
+          <a:prstGeom prst="rect">
+            <a:avLst/>
+          </a:prstGeom>
+          <a:solidFill>
+            <a:srgbClr val="1E1F22"/>
+          </a:solidFill>
+          <a:ln>
+            <a:noFill/>
+          </a:ln>
+          <a:effectLst/>
+          <a:extLst>
+            <a:ext uri="{91240B29-F687-4F45-9708-019B960494DF}">
+              <a14:hiddenLine xmlns:a14="http://schemas.microsoft.com/office/drawing/2010/main" w="9525">
+                <a:solidFill>
+                  <a:schemeClr val="tx1"/>
+                </a:solidFill>
+                <a:miter lim="800000"/>
+                <a:headEnd/>
+                <a:tailEnd/>
+              </a14:hiddenLine>
+            </a:ext>
+            <a:ext uri="{AF507438-7753-43E0-B8FC-AC1667EBCBE1}">
+              <a14:hiddenEffects xmlns:a14="http://schemas.microsoft.com/office/drawing/2010/main">
+                <a:effectLst>
+                  <a:outerShdw dist="35921" dir="2700000" algn="ctr" rotWithShape="0">
+                    <a:schemeClr val="bg2"/>
+                  </a:outerShdw>
+                </a:effectLst>
+              </a14:hiddenEffects>
+            </a:ext>
+          </a:extLst>
+        </p:spPr>
+        <p:txBody>
+          <a:bodyPr vert="horz" wrap="square" lIns="91440" tIns="45720" rIns="91440" bIns="45720" numCol="1" anchor="ctr" anchorCtr="0" compatLnSpc="1">
+            <a:prstTxWarp prst="textNoShape">
+              <a:avLst/>
+            </a:prstTxWarp>
+            <a:spAutoFit/>
+          </a:bodyPr>
+          <a:lstStyle/>
+          <a:p>
+            <a:pPr marL="0" marR="0" lvl="0" indent="0" algn="l" defTabSz="914400" rtl="0" eaLnBrk="0" fontAlgn="base" latinLnBrk="0" hangingPunct="0">
+              <a:lnSpc>
+                <a:spcPct val="100000"/>
+              </a:lnSpc>
+              <a:spcBef>
+                <a:spcPct val="0"/>
+              </a:spcBef>
+              <a:spcAft>
+                <a:spcPct val="0"/>
+              </a:spcAft>
+              <a:buClrTx/>
+              <a:buSzTx/>
+              <a:buFontTx/>
+              <a:buNone/>
+              <a:tabLst/>
+            </a:pPr>
+            <a:r>
+              <a:rPr kumimoji="0" lang="zh-CN" altLang="zh-CN" b="0" i="1" u="none" strike="noStrike" cap="none" normalizeH="0" baseline="0" dirty="0">
+                <a:ln>
+                  <a:noFill/>
+                </a:ln>
+                <a:solidFill>
+                  <a:srgbClr val="5F826B"/>
+                </a:solidFill>
+                <a:effectLst/>
+                <a:latin typeface="Arial Unicode MS"/>
+                <a:ea typeface="JetBrains Mono"/>
+              </a:rPr>
+              <a:t>"""Computes the state from the perspective of the i-th agent of the internal plane array.</a:t>
+            </a:r>
+            <a:br>
+              <a:rPr kumimoji="0" lang="zh-CN" altLang="zh-CN" b="0" i="1" u="none" strike="noStrike" cap="none" normalizeH="0" baseline="0" dirty="0">
+                <a:ln>
+                  <a:noFill/>
+                </a:ln>
+                <a:solidFill>
+                  <a:srgbClr val="5F826B"/>
+                </a:solidFill>
+                <a:effectLst/>
+                <a:latin typeface="Arial Unicode MS"/>
+                <a:ea typeface="JetBrains Mono"/>
+              </a:rPr>
+            </a:br>
+            <a:br>
+              <a:rPr kumimoji="0" lang="zh-CN" altLang="zh-CN" b="0" i="1" u="none" strike="noStrike" cap="none" normalizeH="0" baseline="0" dirty="0">
+                <a:ln>
+                  <a:noFill/>
+                </a:ln>
+                <a:solidFill>
+                  <a:srgbClr val="5F826B"/>
+                </a:solidFill>
+                <a:effectLst/>
+                <a:latin typeface="Arial Unicode MS"/>
+                <a:ea typeface="JetBrains Mono"/>
+              </a:rPr>
+            </a:br>
+            <a:r>
+              <a:rPr kumimoji="0" lang="zh-CN" altLang="zh-CN" b="0" i="1" u="none" strike="noStrike" cap="none" normalizeH="0" baseline="0" dirty="0">
+                <a:ln>
+                  <a:noFill/>
+                </a:ln>
+                <a:solidFill>
+                  <a:srgbClr val="5F826B"/>
+                </a:solidFill>
+                <a:effectLst/>
+                <a:latin typeface="Arial Unicode MS"/>
+                <a:ea typeface="JetBrains Mono"/>
+              </a:rPr>
+              <a:t>This is a np.array of size [3 + 4*(N_planes-1),] containing own relative bearing of goal, distance to goal, </a:t>
+            </a:r>
+            <a:br>
+              <a:rPr kumimoji="0" lang="zh-CN" altLang="zh-CN" b="0" i="1" u="none" strike="noStrike" cap="none" normalizeH="0" baseline="0" dirty="0">
+                <a:ln>
+                  <a:noFill/>
+                </a:ln>
+                <a:solidFill>
+                  <a:srgbClr val="5F826B"/>
+                </a:solidFill>
+                <a:effectLst/>
+                <a:latin typeface="Arial Unicode MS"/>
+                <a:ea typeface="JetBrains Mono"/>
+              </a:rPr>
+            </a:br>
+            <a:r>
+              <a:rPr kumimoji="0" lang="zh-CN" altLang="zh-CN" b="0" i="1" u="none" strike="noStrike" cap="none" normalizeH="0" baseline="0" dirty="0">
+                <a:ln>
+                  <a:noFill/>
+                </a:ln>
+                <a:solidFill>
+                  <a:srgbClr val="5F826B"/>
+                </a:solidFill>
+                <a:effectLst/>
+                <a:latin typeface="Arial Unicode MS"/>
+                <a:ea typeface="JetBrains Mono"/>
+              </a:rPr>
+              <a:t>common four information about target ships (relative speed, relative bearing, distance, heading intersection angle),</a:t>
+            </a:r>
+            <a:br>
+              <a:rPr kumimoji="0" lang="zh-CN" altLang="zh-CN" b="0" i="1" u="none" strike="noStrike" cap="none" normalizeH="0" baseline="0" dirty="0">
+                <a:ln>
+                  <a:noFill/>
+                </a:ln>
+                <a:solidFill>
+                  <a:srgbClr val="5F826B"/>
+                </a:solidFill>
+                <a:effectLst/>
+                <a:latin typeface="Arial Unicode MS"/>
+                <a:ea typeface="JetBrains Mono"/>
+              </a:rPr>
+            </a:br>
+            <a:r>
+              <a:rPr kumimoji="0" lang="zh-CN" altLang="zh-CN" b="0" i="1" u="none" strike="noStrike" cap="none" normalizeH="0" baseline="0" dirty="0">
+                <a:ln>
+                  <a:noFill/>
+                </a:ln>
+                <a:solidFill>
+                  <a:srgbClr val="5F826B"/>
+                </a:solidFill>
+                <a:effectLst/>
+                <a:latin typeface="Arial Unicode MS"/>
+                <a:ea typeface="JetBrains Mono"/>
+              </a:rPr>
+              <a:t>and time until destination opens again."""</a:t>
+            </a:r>
+            <a:endParaRPr kumimoji="0" lang="zh-CN" altLang="zh-CN" sz="2800" b="0" i="0" u="none" strike="noStrike" cap="none" normalizeH="0" baseline="0" dirty="0">
+              <a:ln>
+                <a:noFill/>
+              </a:ln>
+              <a:solidFill>
+                <a:schemeClr val="tx1"/>
+              </a:solidFill>
+              <a:effectLst/>
+              <a:latin typeface="Arial" panose="020B0604020202020204" pitchFamily="34" charset="0"/>
+            </a:endParaRPr>
+          </a:p>
+        </p:txBody>
+      </p:sp>
+    </p:spTree>
+    <p:extLst>
+      <p:ext uri="{BB962C8B-B14F-4D97-AF65-F5344CB8AC3E}">
+        <p14:creationId xmlns:p14="http://schemas.microsoft.com/office/powerpoint/2010/main" val="2014695910"/>
       </p:ext>
     </p:extLst>
   </p:cSld>

--- a/汇报/组会汇报.pptx
+++ b/汇报/组会汇报.pptx
@@ -5,7 +5,7 @@
     <p:sldMasterId id="2147483648" r:id="rId1"/>
   </p:sldMasterIdLst>
   <p:notesMasterIdLst>
-    <p:notesMasterId r:id="rId16"/>
+    <p:notesMasterId r:id="rId17"/>
   </p:notesMasterIdLst>
   <p:sldIdLst>
     <p:sldId id="256" r:id="rId2"/>
@@ -22,6 +22,7 @@
     <p:sldId id="267" r:id="rId13"/>
     <p:sldId id="268" r:id="rId14"/>
     <p:sldId id="269" r:id="rId15"/>
+    <p:sldId id="270" r:id="rId16"/>
   </p:sldIdLst>
   <p:sldSz cx="12192000" cy="6858000"/>
   <p:notesSz cx="6858000" cy="9144000"/>
@@ -221,7 +222,7 @@
           <a:p>
             <a:fld id="{0A33534A-6611-4F3F-8CB4-D23E6B222FB6}" type="datetimeFigureOut">
               <a:rPr lang="zh-CN" altLang="en-US" smtClean="0"/>
-              <a:t>2024/10/22</a:t>
+              <a:t>2024/11/4</a:t>
             </a:fld>
             <a:endParaRPr lang="zh-CN" altLang="en-US"/>
           </a:p>
@@ -973,7 +974,7 @@
           <a:p>
             <a:fld id="{21B0B332-2FA0-4345-B2BE-33804BFCE648}" type="datetimeFigureOut">
               <a:rPr lang="zh-CN" altLang="en-US" smtClean="0"/>
-              <a:t>2024/10/22</a:t>
+              <a:t>2024/11/4</a:t>
             </a:fld>
             <a:endParaRPr lang="zh-CN" altLang="en-US"/>
           </a:p>
@@ -1171,7 +1172,7 @@
           <a:p>
             <a:fld id="{21B0B332-2FA0-4345-B2BE-33804BFCE648}" type="datetimeFigureOut">
               <a:rPr lang="zh-CN" altLang="en-US" smtClean="0"/>
-              <a:t>2024/10/22</a:t>
+              <a:t>2024/11/4</a:t>
             </a:fld>
             <a:endParaRPr lang="zh-CN" altLang="en-US"/>
           </a:p>
@@ -1379,7 +1380,7 @@
           <a:p>
             <a:fld id="{21B0B332-2FA0-4345-B2BE-33804BFCE648}" type="datetimeFigureOut">
               <a:rPr lang="zh-CN" altLang="en-US" smtClean="0"/>
-              <a:t>2024/10/22</a:t>
+              <a:t>2024/11/4</a:t>
             </a:fld>
             <a:endParaRPr lang="zh-CN" altLang="en-US"/>
           </a:p>
@@ -1577,7 +1578,7 @@
           <a:p>
             <a:fld id="{21B0B332-2FA0-4345-B2BE-33804BFCE648}" type="datetimeFigureOut">
               <a:rPr lang="zh-CN" altLang="en-US" smtClean="0"/>
-              <a:t>2024/10/22</a:t>
+              <a:t>2024/11/4</a:t>
             </a:fld>
             <a:endParaRPr lang="zh-CN" altLang="en-US"/>
           </a:p>
@@ -1852,7 +1853,7 @@
           <a:p>
             <a:fld id="{21B0B332-2FA0-4345-B2BE-33804BFCE648}" type="datetimeFigureOut">
               <a:rPr lang="zh-CN" altLang="en-US" smtClean="0"/>
-              <a:t>2024/10/22</a:t>
+              <a:t>2024/11/4</a:t>
             </a:fld>
             <a:endParaRPr lang="zh-CN" altLang="en-US"/>
           </a:p>
@@ -2117,7 +2118,7 @@
           <a:p>
             <a:fld id="{21B0B332-2FA0-4345-B2BE-33804BFCE648}" type="datetimeFigureOut">
               <a:rPr lang="zh-CN" altLang="en-US" smtClean="0"/>
-              <a:t>2024/10/22</a:t>
+              <a:t>2024/11/4</a:t>
             </a:fld>
             <a:endParaRPr lang="zh-CN" altLang="en-US"/>
           </a:p>
@@ -2529,7 +2530,7 @@
           <a:p>
             <a:fld id="{21B0B332-2FA0-4345-B2BE-33804BFCE648}" type="datetimeFigureOut">
               <a:rPr lang="zh-CN" altLang="en-US" smtClean="0"/>
-              <a:t>2024/10/22</a:t>
+              <a:t>2024/11/4</a:t>
             </a:fld>
             <a:endParaRPr lang="zh-CN" altLang="en-US"/>
           </a:p>
@@ -2670,7 +2671,7 @@
           <a:p>
             <a:fld id="{21B0B332-2FA0-4345-B2BE-33804BFCE648}" type="datetimeFigureOut">
               <a:rPr lang="zh-CN" altLang="en-US" smtClean="0"/>
-              <a:t>2024/10/22</a:t>
+              <a:t>2024/11/4</a:t>
             </a:fld>
             <a:endParaRPr lang="zh-CN" altLang="en-US"/>
           </a:p>
@@ -2783,7 +2784,7 @@
           <a:p>
             <a:fld id="{21B0B332-2FA0-4345-B2BE-33804BFCE648}" type="datetimeFigureOut">
               <a:rPr lang="zh-CN" altLang="en-US" smtClean="0"/>
-              <a:t>2024/10/22</a:t>
+              <a:t>2024/11/4</a:t>
             </a:fld>
             <a:endParaRPr lang="zh-CN" altLang="en-US"/>
           </a:p>
@@ -3094,7 +3095,7 @@
           <a:p>
             <a:fld id="{21B0B332-2FA0-4345-B2BE-33804BFCE648}" type="datetimeFigureOut">
               <a:rPr lang="zh-CN" altLang="en-US" smtClean="0"/>
-              <a:t>2024/10/22</a:t>
+              <a:t>2024/11/4</a:t>
             </a:fld>
             <a:endParaRPr lang="zh-CN" altLang="en-US"/>
           </a:p>
@@ -3382,7 +3383,7 @@
           <a:p>
             <a:fld id="{21B0B332-2FA0-4345-B2BE-33804BFCE648}" type="datetimeFigureOut">
               <a:rPr lang="zh-CN" altLang="en-US" smtClean="0"/>
-              <a:t>2024/10/22</a:t>
+              <a:t>2024/11/4</a:t>
             </a:fld>
             <a:endParaRPr lang="zh-CN" altLang="en-US"/>
           </a:p>
@@ -3623,7 +3624,7 @@
           <a:p>
             <a:fld id="{21B0B332-2FA0-4345-B2BE-33804BFCE648}" type="datetimeFigureOut">
               <a:rPr lang="zh-CN" altLang="en-US" smtClean="0"/>
-              <a:t>2024/10/22</a:t>
+              <a:t>2024/11/4</a:t>
             </a:fld>
             <a:endParaRPr lang="zh-CN" altLang="en-US"/>
           </a:p>
@@ -5861,6 +5862,337 @@
     <p:extLst>
       <p:ext uri="{BB962C8B-B14F-4D97-AF65-F5344CB8AC3E}">
         <p14:creationId xmlns:p14="http://schemas.microsoft.com/office/powerpoint/2010/main" val="2014695910"/>
+      </p:ext>
+    </p:extLst>
+  </p:cSld>
+  <p:clrMapOvr>
+    <a:masterClrMapping/>
+  </p:clrMapOvr>
+</p:sld>
+</file>
+
+<file path=ppt/slides/slide15.xml><?xml version="1.0" encoding="utf-8"?>
+<p:sld xmlns:a="http://schemas.openxmlformats.org/drawingml/2006/main" xmlns:r="http://schemas.openxmlformats.org/officeDocument/2006/relationships" xmlns:p="http://schemas.openxmlformats.org/presentationml/2006/main">
+  <p:cSld>
+    <p:spTree>
+      <p:nvGrpSpPr>
+        <p:cNvPr id="1" name=""/>
+        <p:cNvGrpSpPr/>
+        <p:nvPr/>
+      </p:nvGrpSpPr>
+      <p:grpSpPr>
+        <a:xfrm>
+          <a:off x="0" y="0"/>
+          <a:ext cx="0" cy="0"/>
+          <a:chOff x="0" y="0"/>
+          <a:chExt cx="0" cy="0"/>
+        </a:xfrm>
+      </p:grpSpPr>
+      <p:sp>
+        <p:nvSpPr>
+          <p:cNvPr id="5" name="文本框 4">
+            <a:extLst>
+              <a:ext uri="{FF2B5EF4-FFF2-40B4-BE49-F238E27FC236}">
+                <a16:creationId xmlns:a16="http://schemas.microsoft.com/office/drawing/2014/main" id="{A55D87DE-5AEF-3367-4FC4-1E1852241A4D}"/>
+              </a:ext>
+            </a:extLst>
+          </p:cNvPr>
+          <p:cNvSpPr txBox="1"/>
+          <p:nvPr/>
+        </p:nvSpPr>
+        <p:spPr>
+          <a:xfrm>
+            <a:off x="187037" y="2157234"/>
+            <a:ext cx="6093228" cy="1200329"/>
+          </a:xfrm>
+          <a:prstGeom prst="rect">
+            <a:avLst/>
+          </a:prstGeom>
+          <a:noFill/>
+        </p:spPr>
+        <p:txBody>
+          <a:bodyPr wrap="square">
+            <a:spAutoFit/>
+          </a:bodyPr>
+          <a:lstStyle/>
+          <a:p>
+            <a:r>
+              <a:rPr lang="zh-CN" altLang="en-US" b="1"/>
+              <a:t>空域优先权</a:t>
+            </a:r>
+            <a:r>
+              <a:rPr lang="zh-CN" altLang="en-US"/>
+              <a:t>：为合作无人机提供更优的降落和起飞优先级，使得合作无人机可以更快地获得进入或离开终端区域的权利。非合作无人机则可能需要等待更长的时间来确保安全降落。</a:t>
+            </a:r>
+          </a:p>
+        </p:txBody>
+      </p:sp>
+      <p:sp>
+        <p:nvSpPr>
+          <p:cNvPr id="7" name="文本框 6">
+            <a:extLst>
+              <a:ext uri="{FF2B5EF4-FFF2-40B4-BE49-F238E27FC236}">
+                <a16:creationId xmlns:a16="http://schemas.microsoft.com/office/drawing/2014/main" id="{4BF59043-7A88-23F4-6825-423C67C4F85B}"/>
+              </a:ext>
+            </a:extLst>
+          </p:cNvPr>
+          <p:cNvSpPr txBox="1"/>
+          <p:nvPr/>
+        </p:nvSpPr>
+        <p:spPr>
+          <a:xfrm>
+            <a:off x="187037" y="621807"/>
+            <a:ext cx="6093228" cy="1200329"/>
+          </a:xfrm>
+          <a:prstGeom prst="rect">
+            <a:avLst/>
+          </a:prstGeom>
+          <a:noFill/>
+        </p:spPr>
+        <p:txBody>
+          <a:bodyPr wrap="square">
+            <a:spAutoFit/>
+          </a:bodyPr>
+          <a:lstStyle/>
+          <a:p>
+            <a:r>
+              <a:rPr lang="zh-CN" altLang="en-US"/>
+              <a:t>在合作模式下，要求无人机具备一定的通信和数据共享能力，如安装自动相关监视</a:t>
+            </a:r>
+            <a:r>
+              <a:rPr lang="en-US" altLang="zh-CN"/>
+              <a:t>-</a:t>
+            </a:r>
+            <a:r>
+              <a:rPr lang="zh-CN" altLang="en-US"/>
+              <a:t>广播（</a:t>
+            </a:r>
+            <a:r>
+              <a:rPr lang="en-US" altLang="zh-CN"/>
+              <a:t>ADS-B</a:t>
+            </a:r>
+            <a:r>
+              <a:rPr lang="zh-CN" altLang="en-US"/>
+              <a:t>）或其他等效设备。非合作无人机若不具备这些设备，则只能以次要的方式使用空域。</a:t>
+            </a:r>
+          </a:p>
+        </p:txBody>
+      </p:sp>
+      <p:sp>
+        <p:nvSpPr>
+          <p:cNvPr id="9" name="文本框 8">
+            <a:extLst>
+              <a:ext uri="{FF2B5EF4-FFF2-40B4-BE49-F238E27FC236}">
+                <a16:creationId xmlns:a16="http://schemas.microsoft.com/office/drawing/2014/main" id="{8ECAE963-E289-F94F-5093-97E5E4042340}"/>
+              </a:ext>
+            </a:extLst>
+          </p:cNvPr>
+          <p:cNvSpPr txBox="1"/>
+          <p:nvPr/>
+        </p:nvSpPr>
+        <p:spPr>
+          <a:xfrm>
+            <a:off x="187037" y="3692661"/>
+            <a:ext cx="6093228" cy="1200329"/>
+          </a:xfrm>
+          <a:prstGeom prst="rect">
+            <a:avLst/>
+          </a:prstGeom>
+          <a:noFill/>
+        </p:spPr>
+        <p:txBody>
+          <a:bodyPr wrap="square">
+            <a:spAutoFit/>
+          </a:bodyPr>
+          <a:lstStyle/>
+          <a:p>
+            <a:r>
+              <a:rPr lang="zh-CN" altLang="en-US" b="1"/>
+              <a:t>分层空域结构</a:t>
+            </a:r>
+            <a:r>
+              <a:rPr lang="zh-CN" altLang="en-US"/>
+              <a:t>：根据无人机的合作行为和技术能力，将空域划分为多个高度层或“走廊”，例如高优先级层级允许合作无人机更直接地到达终端区域，而非合作无人机只能在低优先级层运行，必须绕行或采取限制性路径。</a:t>
+            </a:r>
+          </a:p>
+        </p:txBody>
+      </p:sp>
+      <p:sp>
+        <p:nvSpPr>
+          <p:cNvPr id="11" name="文本框 10">
+            <a:extLst>
+              <a:ext uri="{FF2B5EF4-FFF2-40B4-BE49-F238E27FC236}">
+                <a16:creationId xmlns:a16="http://schemas.microsoft.com/office/drawing/2014/main" id="{40E4D61F-CF6F-2D7D-E4B7-CD57B7ED710E}"/>
+              </a:ext>
+            </a:extLst>
+          </p:cNvPr>
+          <p:cNvSpPr txBox="1"/>
+          <p:nvPr/>
+        </p:nvSpPr>
+        <p:spPr>
+          <a:xfrm>
+            <a:off x="6404957" y="2157234"/>
+            <a:ext cx="6093228" cy="1200329"/>
+          </a:xfrm>
+          <a:prstGeom prst="rect">
+            <a:avLst/>
+          </a:prstGeom>
+          <a:noFill/>
+        </p:spPr>
+        <p:txBody>
+          <a:bodyPr wrap="square">
+            <a:spAutoFit/>
+          </a:bodyPr>
+          <a:lstStyle/>
+          <a:p>
+            <a:r>
+              <a:rPr lang="zh-CN" altLang="en-US" b="1"/>
+              <a:t>时间窗口限制</a:t>
+            </a:r>
+            <a:r>
+              <a:rPr lang="zh-CN" altLang="en-US"/>
+              <a:t>：对非合作无人机设定严格的时间窗口，例如只能在特定的非繁忙时段进入终端区域，而合作无人机则可以在更广泛的时段内自由出入。这种安排能够有效减少非合作行为对空域秩序的影响。</a:t>
+            </a:r>
+          </a:p>
+        </p:txBody>
+      </p:sp>
+      <p:sp>
+        <p:nvSpPr>
+          <p:cNvPr id="13" name="文本框 12">
+            <a:extLst>
+              <a:ext uri="{FF2B5EF4-FFF2-40B4-BE49-F238E27FC236}">
+                <a16:creationId xmlns:a16="http://schemas.microsoft.com/office/drawing/2014/main" id="{3701D42A-5F2D-A4ED-EDC7-65BF6EC56A82}"/>
+              </a:ext>
+            </a:extLst>
+          </p:cNvPr>
+          <p:cNvSpPr txBox="1"/>
+          <p:nvPr/>
+        </p:nvSpPr>
+        <p:spPr>
+          <a:xfrm>
+            <a:off x="187037" y="5228088"/>
+            <a:ext cx="6251170" cy="369332"/>
+          </a:xfrm>
+          <a:prstGeom prst="rect">
+            <a:avLst/>
+          </a:prstGeom>
+          <a:noFill/>
+        </p:spPr>
+        <p:txBody>
+          <a:bodyPr wrap="square">
+            <a:spAutoFit/>
+          </a:bodyPr>
+          <a:lstStyle/>
+          <a:p>
+            <a:r>
+              <a:rPr lang="zh-CN" altLang="en-US">
+                <a:highlight>
+                  <a:srgbClr val="FFFF00"/>
+                </a:highlight>
+              </a:rPr>
+              <a:t>动态调整：基于需求和风险评估</a:t>
+            </a:r>
+          </a:p>
+        </p:txBody>
+      </p:sp>
+      <p:sp>
+        <p:nvSpPr>
+          <p:cNvPr id="15" name="文本框 14">
+            <a:extLst>
+              <a:ext uri="{FF2B5EF4-FFF2-40B4-BE49-F238E27FC236}">
+                <a16:creationId xmlns:a16="http://schemas.microsoft.com/office/drawing/2014/main" id="{24CB8F2D-AA78-62AC-921A-26B84C3C8E2A}"/>
+              </a:ext>
+            </a:extLst>
+          </p:cNvPr>
+          <p:cNvSpPr txBox="1"/>
+          <p:nvPr/>
+        </p:nvSpPr>
+        <p:spPr>
+          <a:xfrm>
+            <a:off x="187037" y="5775697"/>
+            <a:ext cx="6251170" cy="1200329"/>
+          </a:xfrm>
+          <a:prstGeom prst="rect">
+            <a:avLst/>
+          </a:prstGeom>
+          <a:noFill/>
+        </p:spPr>
+        <p:txBody>
+          <a:bodyPr wrap="square">
+            <a:spAutoFit/>
+          </a:bodyPr>
+          <a:lstStyle/>
+          <a:p>
+            <a:r>
+              <a:rPr lang="zh-CN" altLang="en-US" b="1">
+                <a:highlight>
+                  <a:srgbClr val="FFFF00"/>
+                </a:highlight>
+              </a:rPr>
+              <a:t>实时风险评估</a:t>
+            </a:r>
+            <a:r>
+              <a:rPr lang="zh-CN" altLang="en-US">
+                <a:highlight>
+                  <a:srgbClr val="FFFF00"/>
+                </a:highlight>
+              </a:rPr>
+              <a:t>：通过人工智能系统或动态调度系统评估空域内的拥挤情况和风险水平。当空域内无人机密度较高或合作无人机占比较大时，可以适当增加非合作无人机的降落等待时间，以保障整体秩序和安全。</a:t>
+            </a:r>
+          </a:p>
+        </p:txBody>
+      </p:sp>
+      <p:sp>
+        <p:nvSpPr>
+          <p:cNvPr id="17" name="文本框 16">
+            <a:extLst>
+              <a:ext uri="{FF2B5EF4-FFF2-40B4-BE49-F238E27FC236}">
+                <a16:creationId xmlns:a16="http://schemas.microsoft.com/office/drawing/2014/main" id="{71415DA9-7A50-2590-A9C3-76D38B6D5AE6}"/>
+              </a:ext>
+            </a:extLst>
+          </p:cNvPr>
+          <p:cNvSpPr txBox="1"/>
+          <p:nvPr/>
+        </p:nvSpPr>
+        <p:spPr>
+          <a:xfrm>
+            <a:off x="6456218" y="5597420"/>
+            <a:ext cx="6251170" cy="1200329"/>
+          </a:xfrm>
+          <a:prstGeom prst="rect">
+            <a:avLst/>
+          </a:prstGeom>
+          <a:noFill/>
+        </p:spPr>
+        <p:txBody>
+          <a:bodyPr wrap="square">
+            <a:spAutoFit/>
+          </a:bodyPr>
+          <a:lstStyle/>
+          <a:p>
+            <a:r>
+              <a:rPr lang="zh-CN" altLang="en-US" b="1">
+                <a:highlight>
+                  <a:srgbClr val="FFFF00"/>
+                </a:highlight>
+              </a:rPr>
+              <a:t>需求驱动的优先级动态调整</a:t>
+            </a:r>
+            <a:r>
+              <a:rPr lang="zh-CN" altLang="en-US">
+                <a:highlight>
+                  <a:srgbClr val="FFFF00"/>
+                </a:highlight>
+              </a:rPr>
+              <a:t>：根据空域需求和运营情况，实时调整非合作无人机的权限。例如在紧急需求或高峰时段，可以限制非合作无人机的运行，而在需求较低的情况下，允许非合作无人机更多地使用空域。</a:t>
+            </a:r>
+          </a:p>
+        </p:txBody>
+      </p:sp>
+    </p:spTree>
+    <p:extLst>
+      <p:ext uri="{BB962C8B-B14F-4D97-AF65-F5344CB8AC3E}">
+        <p14:creationId xmlns:p14="http://schemas.microsoft.com/office/powerpoint/2010/main" val="1001188290"/>
       </p:ext>
     </p:extLst>
   </p:cSld>
